--- a/slides/Week3_Recap.pptx
+++ b/slides/Week3_Recap.pptx
@@ -181,7 +181,7 @@
 <file path=ppt/revisionInfo.xml><?xml version="1.0" encoding="utf-8"?>
 <p1510:revInfo xmlns:a="http://schemas.openxmlformats.org/drawingml/2006/main" xmlns:r="http://schemas.openxmlformats.org/officeDocument/2006/relationships" xmlns:p1510="http://schemas.microsoft.com/office/powerpoint/2015/10/main">
   <p1510:revLst>
-    <p1510:client id="{6A3951C8-7780-4031-8A2B-7971BC0F9707}" v="2" dt="2021-01-27T06:39:28.962"/>
+    <p1510:client id="{8DFA8DF1-73BB-4426-A5D8-50A2DC5DCD2C}" v="336" dt="2021-02-01T03:57:30.992"/>
   </p1510:revLst>
 </p1510:revInfo>
 </file>
@@ -805,6 +805,243 @@
     </pc:docChg>
   </pc:docChgLst>
   <pc:docChgLst>
+    <pc:chgData name="Zhao Jin" userId="cd05a825-544c-438a-9ba1-08e63db50b47" providerId="ADAL" clId="{8DFA8DF1-73BB-4426-A5D8-50A2DC5DCD2C}"/>
+    <pc:docChg chg="undo custSel modSld">
+      <pc:chgData name="Zhao Jin" userId="cd05a825-544c-438a-9ba1-08e63db50b47" providerId="ADAL" clId="{8DFA8DF1-73BB-4426-A5D8-50A2DC5DCD2C}" dt="2021-02-01T03:57:41.268" v="954" actId="14100"/>
+      <pc:docMkLst>
+        <pc:docMk/>
+      </pc:docMkLst>
+      <pc:sldChg chg="addSp delSp modSp mod modAnim">
+        <pc:chgData name="Zhao Jin" userId="cd05a825-544c-438a-9ba1-08e63db50b47" providerId="ADAL" clId="{8DFA8DF1-73BB-4426-A5D8-50A2DC5DCD2C}" dt="2021-02-01T03:57:41.268" v="954" actId="14100"/>
+        <pc:sldMkLst>
+          <pc:docMk/>
+          <pc:sldMk cId="1492339910" sldId="485"/>
+        </pc:sldMkLst>
+        <pc:spChg chg="mod">
+          <ac:chgData name="Zhao Jin" userId="cd05a825-544c-438a-9ba1-08e63db50b47" providerId="ADAL" clId="{8DFA8DF1-73BB-4426-A5D8-50A2DC5DCD2C}" dt="2021-02-01T03:53:47.760" v="680" actId="20577"/>
+          <ac:spMkLst>
+            <pc:docMk/>
+            <pc:sldMk cId="1492339910" sldId="485"/>
+            <ac:spMk id="7" creationId="{00000000-0000-0000-0000-000000000000}"/>
+          </ac:spMkLst>
+        </pc:spChg>
+        <pc:spChg chg="mod">
+          <ac:chgData name="Zhao Jin" userId="cd05a825-544c-438a-9ba1-08e63db50b47" providerId="ADAL" clId="{8DFA8DF1-73BB-4426-A5D8-50A2DC5DCD2C}" dt="2021-02-01T03:55:17.406" v="854" actId="1076"/>
+          <ac:spMkLst>
+            <pc:docMk/>
+            <pc:sldMk cId="1492339910" sldId="485"/>
+            <ac:spMk id="8" creationId="{00000000-0000-0000-0000-000000000000}"/>
+          </ac:spMkLst>
+        </pc:spChg>
+        <pc:spChg chg="add mod">
+          <ac:chgData name="Zhao Jin" userId="cd05a825-544c-438a-9ba1-08e63db50b47" providerId="ADAL" clId="{8DFA8DF1-73BB-4426-A5D8-50A2DC5DCD2C}" dt="2021-02-01T03:56:59.133" v="925" actId="1076"/>
+          <ac:spMkLst>
+            <pc:docMk/>
+            <pc:sldMk cId="1492339910" sldId="485"/>
+            <ac:spMk id="15" creationId="{EF068EB3-E205-45DE-A7D8-9A6147D0E720}"/>
+          </ac:spMkLst>
+        </pc:spChg>
+        <pc:spChg chg="mod">
+          <ac:chgData name="Zhao Jin" userId="cd05a825-544c-438a-9ba1-08e63db50b47" providerId="ADAL" clId="{8DFA8DF1-73BB-4426-A5D8-50A2DC5DCD2C}" dt="2021-02-01T03:57:30.992" v="951" actId="20577"/>
+          <ac:spMkLst>
+            <pc:docMk/>
+            <pc:sldMk cId="1492339910" sldId="485"/>
+            <ac:spMk id="16" creationId="{00000000-0000-0000-0000-000000000000}"/>
+          </ac:spMkLst>
+        </pc:spChg>
+        <pc:spChg chg="mod">
+          <ac:chgData name="Zhao Jin" userId="cd05a825-544c-438a-9ba1-08e63db50b47" providerId="ADAL" clId="{8DFA8DF1-73BB-4426-A5D8-50A2DC5DCD2C}" dt="2021-02-01T03:55:08.898" v="852" actId="1076"/>
+          <ac:spMkLst>
+            <pc:docMk/>
+            <pc:sldMk cId="1492339910" sldId="485"/>
+            <ac:spMk id="17" creationId="{99B30EFD-AC62-A84C-B568-481368C993F1}"/>
+          </ac:spMkLst>
+        </pc:spChg>
+        <pc:spChg chg="add mod">
+          <ac:chgData name="Zhao Jin" userId="cd05a825-544c-438a-9ba1-08e63db50b47" providerId="ADAL" clId="{8DFA8DF1-73BB-4426-A5D8-50A2DC5DCD2C}" dt="2021-02-01T03:56:18.096" v="907" actId="1076"/>
+          <ac:spMkLst>
+            <pc:docMk/>
+            <pc:sldMk cId="1492339910" sldId="485"/>
+            <ac:spMk id="18" creationId="{DFBD7EDF-947D-4A88-A70E-312D20612313}"/>
+          </ac:spMkLst>
+        </pc:spChg>
+        <pc:spChg chg="add del mod">
+          <ac:chgData name="Zhao Jin" userId="cd05a825-544c-438a-9ba1-08e63db50b47" providerId="ADAL" clId="{8DFA8DF1-73BB-4426-A5D8-50A2DC5DCD2C}" dt="2021-02-01T03:55:28.499" v="858" actId="478"/>
+          <ac:spMkLst>
+            <pc:docMk/>
+            <pc:sldMk cId="1492339910" sldId="485"/>
+            <ac:spMk id="19" creationId="{D4CA8724-F6A5-4BF6-8DDB-F45A9CD1FE4C}"/>
+          </ac:spMkLst>
+        </pc:spChg>
+        <pc:spChg chg="add mod">
+          <ac:chgData name="Zhao Jin" userId="cd05a825-544c-438a-9ba1-08e63db50b47" providerId="ADAL" clId="{8DFA8DF1-73BB-4426-A5D8-50A2DC5DCD2C}" dt="2021-02-01T03:57:41.268" v="954" actId="14100"/>
+          <ac:spMkLst>
+            <pc:docMk/>
+            <pc:sldMk cId="1492339910" sldId="485"/>
+            <ac:spMk id="20" creationId="{388F56C5-0C36-4F57-8BCA-CCFD0E5AC46D}"/>
+          </ac:spMkLst>
+        </pc:spChg>
+        <pc:spChg chg="mod">
+          <ac:chgData name="Zhao Jin" userId="cd05a825-544c-438a-9ba1-08e63db50b47" providerId="ADAL" clId="{8DFA8DF1-73BB-4426-A5D8-50A2DC5DCD2C}" dt="2021-02-01T03:56:12.162" v="905" actId="1037"/>
+          <ac:spMkLst>
+            <pc:docMk/>
+            <pc:sldMk cId="1492339910" sldId="485"/>
+            <ac:spMk id="21" creationId="{92689133-78A2-474B-8354-D57F493DCCB4}"/>
+          </ac:spMkLst>
+        </pc:spChg>
+        <pc:spChg chg="mod">
+          <ac:chgData name="Zhao Jin" userId="cd05a825-544c-438a-9ba1-08e63db50b47" providerId="ADAL" clId="{8DFA8DF1-73BB-4426-A5D8-50A2DC5DCD2C}" dt="2021-02-01T03:56:41.394" v="917" actId="1076"/>
+          <ac:spMkLst>
+            <pc:docMk/>
+            <pc:sldMk cId="1492339910" sldId="485"/>
+            <ac:spMk id="22" creationId="{7399F68A-414A-A748-8512-49F618250290}"/>
+          </ac:spMkLst>
+        </pc:spChg>
+        <pc:spChg chg="mod">
+          <ac:chgData name="Zhao Jin" userId="cd05a825-544c-438a-9ba1-08e63db50b47" providerId="ADAL" clId="{8DFA8DF1-73BB-4426-A5D8-50A2DC5DCD2C}" dt="2021-02-01T03:56:12.162" v="905" actId="1037"/>
+          <ac:spMkLst>
+            <pc:docMk/>
+            <pc:sldMk cId="1492339910" sldId="485"/>
+            <ac:spMk id="23" creationId="{81265B68-2B22-9A4C-BCC7-9470D59EACF7}"/>
+          </ac:spMkLst>
+        </pc:spChg>
+        <pc:spChg chg="mod">
+          <ac:chgData name="Zhao Jin" userId="cd05a825-544c-438a-9ba1-08e63db50b47" providerId="ADAL" clId="{8DFA8DF1-73BB-4426-A5D8-50A2DC5DCD2C}" dt="2021-02-01T03:56:12.162" v="905" actId="1037"/>
+          <ac:spMkLst>
+            <pc:docMk/>
+            <pc:sldMk cId="1492339910" sldId="485"/>
+            <ac:spMk id="24" creationId="{62E951F5-1D1F-1E41-B308-90593A513B26}"/>
+          </ac:spMkLst>
+        </pc:spChg>
+        <pc:spChg chg="mod">
+          <ac:chgData name="Zhao Jin" userId="cd05a825-544c-438a-9ba1-08e63db50b47" providerId="ADAL" clId="{8DFA8DF1-73BB-4426-A5D8-50A2DC5DCD2C}" dt="2021-02-01T03:56:43.526" v="923" actId="1035"/>
+          <ac:spMkLst>
+            <pc:docMk/>
+            <pc:sldMk cId="1492339910" sldId="485"/>
+            <ac:spMk id="25" creationId="{548C2408-FEF5-6B41-AC1E-821AFC4D9357}"/>
+          </ac:spMkLst>
+        </pc:spChg>
+      </pc:sldChg>
+      <pc:sldChg chg="modAnim">
+        <pc:chgData name="Zhao Jin" userId="cd05a825-544c-438a-9ba1-08e63db50b47" providerId="ADAL" clId="{8DFA8DF1-73BB-4426-A5D8-50A2DC5DCD2C}" dt="2021-02-01T03:45:05.329" v="538"/>
+        <pc:sldMkLst>
+          <pc:docMk/>
+          <pc:sldMk cId="2775173622" sldId="524"/>
+        </pc:sldMkLst>
+      </pc:sldChg>
+      <pc:sldChg chg="addSp delSp modSp mod modAnim">
+        <pc:chgData name="Zhao Jin" userId="cd05a825-544c-438a-9ba1-08e63db50b47" providerId="ADAL" clId="{8DFA8DF1-73BB-4426-A5D8-50A2DC5DCD2C}" dt="2021-02-01T03:41:18.346" v="535" actId="20577"/>
+        <pc:sldMkLst>
+          <pc:docMk/>
+          <pc:sldMk cId="3949125736" sldId="548"/>
+        </pc:sldMkLst>
+        <pc:spChg chg="add del">
+          <ac:chgData name="Zhao Jin" userId="cd05a825-544c-438a-9ba1-08e63db50b47" providerId="ADAL" clId="{8DFA8DF1-73BB-4426-A5D8-50A2DC5DCD2C}" dt="2021-02-01T03:33:15.361" v="1" actId="478"/>
+          <ac:spMkLst>
+            <pc:docMk/>
+            <pc:sldMk cId="3949125736" sldId="548"/>
+            <ac:spMk id="3" creationId="{A3D2EC29-E219-415D-A598-1FA0B13B972C}"/>
+          </ac:spMkLst>
+        </pc:spChg>
+        <pc:spChg chg="add del mod">
+          <ac:chgData name="Zhao Jin" userId="cd05a825-544c-438a-9ba1-08e63db50b47" providerId="ADAL" clId="{8DFA8DF1-73BB-4426-A5D8-50A2DC5DCD2C}" dt="2021-02-01T03:35:37.170" v="188" actId="478"/>
+          <ac:spMkLst>
+            <pc:docMk/>
+            <pc:sldMk cId="3949125736" sldId="548"/>
+            <ac:spMk id="4" creationId="{A1D86D4C-5831-4683-82E4-20C5D2A63257}"/>
+          </ac:spMkLst>
+        </pc:spChg>
+        <pc:spChg chg="add del mod">
+          <ac:chgData name="Zhao Jin" userId="cd05a825-544c-438a-9ba1-08e63db50b47" providerId="ADAL" clId="{8DFA8DF1-73BB-4426-A5D8-50A2DC5DCD2C}" dt="2021-02-01T03:37:47.990" v="366" actId="478"/>
+          <ac:spMkLst>
+            <pc:docMk/>
+            <pc:sldMk cId="3949125736" sldId="548"/>
+            <ac:spMk id="5" creationId="{62DB5772-F310-43A6-9830-A308A2C9A952}"/>
+          </ac:spMkLst>
+        </pc:spChg>
+        <pc:spChg chg="add del mod">
+          <ac:chgData name="Zhao Jin" userId="cd05a825-544c-438a-9ba1-08e63db50b47" providerId="ADAL" clId="{8DFA8DF1-73BB-4426-A5D8-50A2DC5DCD2C}" dt="2021-02-01T03:41:18.346" v="535" actId="20577"/>
+          <ac:spMkLst>
+            <pc:docMk/>
+            <pc:sldMk cId="3949125736" sldId="548"/>
+            <ac:spMk id="9" creationId="{00000000-0000-0000-0000-000000000000}"/>
+          </ac:spMkLst>
+        </pc:spChg>
+        <pc:spChg chg="add del mod">
+          <ac:chgData name="Zhao Jin" userId="cd05a825-544c-438a-9ba1-08e63db50b47" providerId="ADAL" clId="{8DFA8DF1-73BB-4426-A5D8-50A2DC5DCD2C}" dt="2021-02-01T03:35:35.190" v="187" actId="478"/>
+          <ac:spMkLst>
+            <pc:docMk/>
+            <pc:sldMk cId="3949125736" sldId="548"/>
+            <ac:spMk id="10" creationId="{8AB9B39A-4DAB-44FE-B84F-4DC6DA2EF2A9}"/>
+          </ac:spMkLst>
+        </pc:spChg>
+        <pc:spChg chg="add del mod">
+          <ac:chgData name="Zhao Jin" userId="cd05a825-544c-438a-9ba1-08e63db50b47" providerId="ADAL" clId="{8DFA8DF1-73BB-4426-A5D8-50A2DC5DCD2C}" dt="2021-02-01T03:35:25.265" v="181" actId="478"/>
+          <ac:spMkLst>
+            <pc:docMk/>
+            <pc:sldMk cId="3949125736" sldId="548"/>
+            <ac:spMk id="11" creationId="{DAFFA8B9-0A9A-41B7-83EA-B8BFDACB3797}"/>
+          </ac:spMkLst>
+        </pc:spChg>
+        <pc:spChg chg="add del mod">
+          <ac:chgData name="Zhao Jin" userId="cd05a825-544c-438a-9ba1-08e63db50b47" providerId="ADAL" clId="{8DFA8DF1-73BB-4426-A5D8-50A2DC5DCD2C}" dt="2021-02-01T03:35:33.976" v="186" actId="478"/>
+          <ac:spMkLst>
+            <pc:docMk/>
+            <pc:sldMk cId="3949125736" sldId="548"/>
+            <ac:spMk id="13" creationId="{4391BE3F-AAC3-41FA-851D-4975ABB20304}"/>
+          </ac:spMkLst>
+        </pc:spChg>
+        <pc:spChg chg="add del mod">
+          <ac:chgData name="Zhao Jin" userId="cd05a825-544c-438a-9ba1-08e63db50b47" providerId="ADAL" clId="{8DFA8DF1-73BB-4426-A5D8-50A2DC5DCD2C}" dt="2021-02-01T03:38:35.752" v="447" actId="478"/>
+          <ac:spMkLst>
+            <pc:docMk/>
+            <pc:sldMk cId="3949125736" sldId="548"/>
+            <ac:spMk id="15" creationId="{E072C4C4-209D-48EB-9242-126189C34218}"/>
+          </ac:spMkLst>
+        </pc:spChg>
+        <pc:spChg chg="add mod">
+          <ac:chgData name="Zhao Jin" userId="cd05a825-544c-438a-9ba1-08e63db50b47" providerId="ADAL" clId="{8DFA8DF1-73BB-4426-A5D8-50A2DC5DCD2C}" dt="2021-02-01T03:39:30.792" v="528" actId="1076"/>
+          <ac:spMkLst>
+            <pc:docMk/>
+            <pc:sldMk cId="3949125736" sldId="548"/>
+            <ac:spMk id="16" creationId="{922D50FF-3CFA-41E5-8696-87B6F11BB400}"/>
+          </ac:spMkLst>
+        </pc:spChg>
+        <pc:spChg chg="mod">
+          <ac:chgData name="Zhao Jin" userId="cd05a825-544c-438a-9ba1-08e63db50b47" providerId="ADAL" clId="{8DFA8DF1-73BB-4426-A5D8-50A2DC5DCD2C}" dt="2021-02-01T03:37:49.569" v="367" actId="6549"/>
+          <ac:spMkLst>
+            <pc:docMk/>
+            <pc:sldMk cId="3949125736" sldId="548"/>
+            <ac:spMk id="14338" creationId="{00000000-0000-0000-0000-000000000000}"/>
+          </ac:spMkLst>
+        </pc:spChg>
+      </pc:sldChg>
+      <pc:sldChg chg="addSp delSp modSp mod modAnim">
+        <pc:chgData name="Zhao Jin" userId="cd05a825-544c-438a-9ba1-08e63db50b47" providerId="ADAL" clId="{8DFA8DF1-73BB-4426-A5D8-50A2DC5DCD2C}" dt="2021-02-01T03:41:23.068" v="537"/>
+        <pc:sldMkLst>
+          <pc:docMk/>
+          <pc:sldMk cId="2939077141" sldId="549"/>
+        </pc:sldMkLst>
+        <pc:spChg chg="add del mod">
+          <ac:chgData name="Zhao Jin" userId="cd05a825-544c-438a-9ba1-08e63db50b47" providerId="ADAL" clId="{8DFA8DF1-73BB-4426-A5D8-50A2DC5DCD2C}" dt="2021-02-01T03:41:23.068" v="537"/>
+          <ac:spMkLst>
+            <pc:docMk/>
+            <pc:sldMk cId="2939077141" sldId="549"/>
+            <ac:spMk id="11" creationId="{FB719B92-E5DB-4E33-81E1-762B2CA2533B}"/>
+          </ac:spMkLst>
+        </pc:spChg>
+        <pc:spChg chg="mod">
+          <ac:chgData name="Zhao Jin" userId="cd05a825-544c-438a-9ba1-08e63db50b47" providerId="ADAL" clId="{8DFA8DF1-73BB-4426-A5D8-50A2DC5DCD2C}" dt="2021-02-01T03:37:52.181" v="368" actId="6549"/>
+          <ac:spMkLst>
+            <pc:docMk/>
+            <pc:sldMk cId="2939077141" sldId="549"/>
+            <ac:spMk id="14338" creationId="{00000000-0000-0000-0000-000000000000}"/>
+          </ac:spMkLst>
+        </pc:spChg>
+      </pc:sldChg>
+    </pc:docChg>
+  </pc:docChgLst>
+  <pc:docChgLst>
     <pc:chgData name="Zhao Jin" userId="cd05a825-544c-438a-9ba1-08e63db50b47" providerId="ADAL" clId="{40B02829-7445-394A-990C-032942059FD9}"/>
     <pc:docChg chg="custSel modSld">
       <pc:chgData name="Zhao Jin" userId="cd05a825-544c-438a-9ba1-08e63db50b47" providerId="ADAL" clId="{40B02829-7445-394A-990C-032942059FD9}" dt="2021-01-18T05:50:34.611" v="4" actId="478"/>
@@ -1335,7 +1572,7 @@
               <a:pPr>
                 <a:defRPr/>
               </a:pPr>
-              <a:t>1/27/2021</a:t>
+              <a:t>2/1/2021</a:t>
             </a:fld>
             <a:endParaRPr lang="en-US"/>
           </a:p>
@@ -7076,614 +7313,12 @@
           </a:p>
         </p:txBody>
       </p:sp>
-    </p:spTree>
-    <p:extLst>
-      <p:ext uri="{BB962C8B-B14F-4D97-AF65-F5344CB8AC3E}">
-        <p14:creationId xmlns:p14="http://schemas.microsoft.com/office/powerpoint/2010/main" val="3949125736"/>
-      </p:ext>
-    </p:extLst>
-  </p:cSld>
-  <p:clrMapOvr>
-    <a:masterClrMapping/>
-  </p:clrMapOvr>
-  <p:transition>
-    <p:fade/>
-  </p:transition>
-</p:sld>
-</file>
-
-<file path=ppt/slides/slide3.xml><?xml version="1.0" encoding="utf-8"?>
-<p:sld xmlns:a="http://schemas.openxmlformats.org/drawingml/2006/main" xmlns:r="http://schemas.openxmlformats.org/officeDocument/2006/relationships" xmlns:p="http://schemas.openxmlformats.org/presentationml/2006/main">
-  <p:cSld>
-    <p:spTree>
-      <p:nvGrpSpPr>
-        <p:cNvPr id="1" name=""/>
-        <p:cNvGrpSpPr/>
-        <p:nvPr/>
-      </p:nvGrpSpPr>
-      <p:grpSpPr>
-        <a:xfrm>
-          <a:off x="0" y="0"/>
-          <a:ext cx="0" cy="0"/>
-          <a:chOff x="0" y="0"/>
-          <a:chExt cx="0" cy="0"/>
-        </a:xfrm>
-      </p:grpSpPr>
-      <p:sp>
-        <p:nvSpPr>
-          <p:cNvPr id="14338" name="Rectangle 2"/>
-          <p:cNvSpPr>
-            <a:spLocks noGrp="1" noChangeArrowheads="1"/>
-          </p:cNvSpPr>
-          <p:nvPr>
-            <p:ph type="title"/>
-          </p:nvPr>
-        </p:nvSpPr>
-        <p:spPr>
-          <a:xfrm>
-            <a:off x="533400" y="381000"/>
-            <a:ext cx="8382000" cy="838200"/>
-          </a:xfrm>
-        </p:spPr>
-        <p:txBody>
-          <a:bodyPr>
-            <a:normAutofit/>
-          </a:bodyPr>
-          <a:lstStyle/>
-          <a:p>
-            <a:r>
-              <a:rPr lang="en-GB" sz="3600" dirty="0">
-                <a:solidFill>
-                  <a:srgbClr val="0000FF"/>
-                </a:solidFill>
-              </a:rPr>
-              <a:t>A Sample C Program</a:t>
-            </a:r>
-          </a:p>
-        </p:txBody>
-      </p:sp>
-      <p:sp>
-        <p:nvSpPr>
-          <p:cNvPr id="7" name="Slide Number Placeholder 6"/>
-          <p:cNvSpPr>
-            <a:spLocks noGrp="1"/>
-          </p:cNvSpPr>
-          <p:nvPr>
-            <p:ph type="sldNum" sz="quarter" idx="12"/>
-          </p:nvPr>
-        </p:nvSpPr>
-        <p:spPr/>
-        <p:txBody>
-          <a:bodyPr>
-            <a:normAutofit/>
-          </a:bodyPr>
-          <a:lstStyle/>
-          <a:p>
-            <a:pPr>
-              <a:defRPr/>
-            </a:pPr>
-            <a:r>
-              <a:rPr lang="en-US" sz="1200" dirty="0"/>
-              <a:t>Week3</a:t>
-            </a:r>
-            <a:r>
-              <a:rPr sz="1200" dirty="0"/>
-              <a:t> - </a:t>
-            </a:r>
-            <a:fld id="{F7EC234A-9094-4BB8-9EA4-75ECDA8A365B}" type="slidenum">
-              <a:rPr sz="1200" smtClean="0"/>
-              <a:pPr>
-                <a:defRPr/>
-              </a:pPr>
-              <a:t>3</a:t>
-            </a:fld>
-            <a:endParaRPr sz="1200" dirty="0"/>
-          </a:p>
-        </p:txBody>
-      </p:sp>
-      <p:sp>
-        <p:nvSpPr>
-          <p:cNvPr id="12" name="[Date Placeholder 3]"/>
-          <p:cNvSpPr>
-            <a:spLocks noGrp="1"/>
-          </p:cNvSpPr>
-          <p:nvPr>
-            <p:ph type="dt" sz="half" idx="10"/>
-          </p:nvPr>
-        </p:nvSpPr>
-        <p:spPr>
-          <a:xfrm>
-            <a:off x="457200" y="18288"/>
-            <a:ext cx="2895600" cy="329184"/>
-          </a:xfrm>
-        </p:spPr>
-        <p:txBody>
-          <a:bodyPr/>
-          <a:lstStyle/>
-          <a:p>
-            <a:pPr>
-              <a:defRPr/>
-            </a:pPr>
-            <a:r>
-              <a:rPr lang="en-US" dirty="0"/>
-              <a:t>© NUS</a:t>
-            </a:r>
-          </a:p>
-        </p:txBody>
-      </p:sp>
-      <p:sp>
-        <p:nvSpPr>
-          <p:cNvPr id="8" name="Content Placeholder 5"/>
-          <p:cNvSpPr>
-            <a:spLocks noGrp="1"/>
-          </p:cNvSpPr>
-          <p:nvPr>
-            <p:ph idx="1"/>
-          </p:nvPr>
-        </p:nvSpPr>
-        <p:spPr>
-          <a:xfrm>
-            <a:off x="587375" y="1187451"/>
-            <a:ext cx="8229600" cy="3384550"/>
-          </a:xfrm>
-        </p:spPr>
-        <p:txBody>
-          <a:bodyPr/>
-          <a:lstStyle/>
-          <a:p>
-            <a:pPr marL="274320" lvl="1" indent="0">
-              <a:spcBef>
-                <a:spcPts val="600"/>
-              </a:spcBef>
-              <a:buClr>
-                <a:schemeClr val="tx1">
-                  <a:lumMod val="90000"/>
-                  <a:lumOff val="10000"/>
-                </a:schemeClr>
-              </a:buClr>
-              <a:buSzPct val="100000"/>
-              <a:buNone/>
-              <a:defRPr/>
-            </a:pPr>
-            <a:endParaRPr lang="en-US" dirty="0"/>
-          </a:p>
-          <a:p>
-            <a:pPr marL="621983" lvl="1" indent="-347663">
-              <a:spcBef>
-                <a:spcPts val="600"/>
-              </a:spcBef>
-              <a:buClr>
-                <a:schemeClr val="tx1">
-                  <a:lumMod val="90000"/>
-                  <a:lumOff val="10000"/>
-                </a:schemeClr>
-              </a:buClr>
-              <a:buSzPct val="100000"/>
-              <a:buFont typeface="Wingdings" panose="05000000000000000000" pitchFamily="2" charset="2"/>
-              <a:buChar char="§"/>
-              <a:defRPr/>
-            </a:pPr>
-            <a:endParaRPr lang="en-US" dirty="0"/>
-          </a:p>
-          <a:p>
-            <a:pPr marL="621983" lvl="1" indent="-347663">
-              <a:spcBef>
-                <a:spcPts val="600"/>
-              </a:spcBef>
-              <a:buClr>
-                <a:schemeClr val="tx1">
-                  <a:lumMod val="90000"/>
-                  <a:lumOff val="10000"/>
-                </a:schemeClr>
-              </a:buClr>
-              <a:buSzPct val="100000"/>
-              <a:buFont typeface="Wingdings" panose="05000000000000000000" pitchFamily="2" charset="2"/>
-              <a:buChar char="§"/>
-              <a:defRPr/>
-            </a:pPr>
-            <a:endParaRPr lang="en-US" dirty="0"/>
-          </a:p>
-          <a:p>
-            <a:pPr marL="621983" lvl="1" indent="-347663">
-              <a:spcBef>
-                <a:spcPts val="600"/>
-              </a:spcBef>
-              <a:buClr>
-                <a:schemeClr val="tx1">
-                  <a:lumMod val="90000"/>
-                  <a:lumOff val="10000"/>
-                </a:schemeClr>
-              </a:buClr>
-              <a:buSzPct val="100000"/>
-              <a:buFont typeface="Wingdings" panose="05000000000000000000" pitchFamily="2" charset="2"/>
-              <a:buChar char="§"/>
-              <a:defRPr/>
-            </a:pPr>
-            <a:endParaRPr lang="en-US" dirty="0"/>
-          </a:p>
-        </p:txBody>
-      </p:sp>
-      <p:sp>
-        <p:nvSpPr>
-          <p:cNvPr id="9" name="TextBox 8"/>
-          <p:cNvSpPr txBox="1"/>
-          <p:nvPr/>
-        </p:nvSpPr>
-        <p:spPr>
-          <a:xfrm>
-            <a:off x="702051" y="1279562"/>
-            <a:ext cx="8213349" cy="3139321"/>
-          </a:xfrm>
-          <a:prstGeom prst="rect">
-            <a:avLst/>
-          </a:prstGeom>
-          <a:solidFill>
-            <a:schemeClr val="bg1"/>
-          </a:solidFill>
-          <a:ln w="19050">
-            <a:solidFill>
-              <a:schemeClr val="accent1"/>
-            </a:solidFill>
-          </a:ln>
-        </p:spPr>
-        <p:style>
-          <a:lnRef idx="2">
-            <a:schemeClr val="accent6"/>
-          </a:lnRef>
-          <a:fillRef idx="1">
-            <a:schemeClr val="lt1"/>
-          </a:fillRef>
-          <a:effectRef idx="0">
-            <a:schemeClr val="accent6"/>
-          </a:effectRef>
-          <a:fontRef idx="minor">
-            <a:schemeClr val="dk1"/>
-          </a:fontRef>
-        </p:style>
-        <p:txBody>
-          <a:bodyPr wrap="square" lIns="91440" tIns="45720" rIns="91440" bIns="45720" rtlCol="0" anchor="t">
-            <a:spAutoFit/>
-          </a:bodyPr>
-          <a:lstStyle/>
-          <a:p>
-            <a:pPr>
-              <a:tabLst>
-                <a:tab pos="347663" algn="l"/>
-                <a:tab pos="682625" algn="l"/>
-                <a:tab pos="1087438" algn="l"/>
-                <a:tab pos="1377950" algn="l"/>
-                <a:tab pos="1712913" algn="l"/>
-              </a:tabLst>
-            </a:pPr>
-            <a:r>
-              <a:rPr lang="en-US" b="1" dirty="0">
-                <a:solidFill>
-                  <a:srgbClr val="006600"/>
-                </a:solidFill>
-                <a:latin typeface="Courier New" panose="02070309020205020404" pitchFamily="49" charset="0"/>
-                <a:cs typeface="Courier New" panose="02070309020205020404" pitchFamily="49" charset="0"/>
-              </a:rPr>
-              <a:t>…</a:t>
-            </a:r>
-            <a:endParaRPr lang="en-US" b="1" dirty="0">
-              <a:solidFill>
-                <a:schemeClr val="tx1"/>
-              </a:solidFill>
-              <a:latin typeface="Courier New" panose="02070309020205020404" pitchFamily="49" charset="0"/>
-              <a:cs typeface="Courier New" panose="02070309020205020404" pitchFamily="49" charset="0"/>
-            </a:endParaRPr>
-          </a:p>
-          <a:p>
-            <a:pPr>
-              <a:tabLst>
-                <a:tab pos="347663" algn="l"/>
-                <a:tab pos="682625" algn="l"/>
-                <a:tab pos="1087438" algn="l"/>
-                <a:tab pos="1377950" algn="l"/>
-                <a:tab pos="1712913" algn="l"/>
-              </a:tabLst>
-            </a:pPr>
-            <a:endParaRPr lang="en-US" b="1" dirty="0">
-              <a:solidFill>
-                <a:schemeClr val="tx1"/>
-              </a:solidFill>
-              <a:latin typeface="Courier New" panose="02070309020205020404" pitchFamily="49" charset="0"/>
-              <a:cs typeface="Courier New" panose="02070309020205020404" pitchFamily="49" charset="0"/>
-            </a:endParaRPr>
-          </a:p>
-          <a:p>
-            <a:pPr>
-              <a:tabLst>
-                <a:tab pos="347663" algn="l"/>
-                <a:tab pos="682625" algn="l"/>
-                <a:tab pos="1087438" algn="l"/>
-                <a:tab pos="1377950" algn="l"/>
-                <a:tab pos="1712913" algn="l"/>
-              </a:tabLst>
-            </a:pPr>
-            <a:r>
-              <a:rPr lang="en-SG" b="1" dirty="0">
-                <a:solidFill>
-                  <a:srgbClr val="0000FF"/>
-                </a:solidFill>
-                <a:latin typeface="Courier New" panose="02070309020205020404" pitchFamily="49" charset="0"/>
-                <a:cs typeface="Courier New" panose="02070309020205020404" pitchFamily="49" charset="0"/>
-              </a:rPr>
-              <a:t>long</a:t>
-            </a:r>
-            <a:r>
-              <a:rPr lang="en-SG" b="1" dirty="0">
-                <a:latin typeface="Courier New" panose="02070309020205020404" pitchFamily="49" charset="0"/>
-                <a:cs typeface="Courier New" panose="02070309020205020404" pitchFamily="49" charset="0"/>
-              </a:rPr>
-              <a:t> square(</a:t>
-            </a:r>
-            <a:r>
-              <a:rPr lang="en-SG" b="1" dirty="0">
-                <a:solidFill>
-                  <a:srgbClr val="0000FF"/>
-                </a:solidFill>
-                <a:latin typeface="Courier New" panose="02070309020205020404" pitchFamily="49" charset="0"/>
-                <a:cs typeface="Courier New" panose="02070309020205020404" pitchFamily="49" charset="0"/>
-              </a:rPr>
-              <a:t>long</a:t>
-            </a:r>
-            <a:r>
-              <a:rPr lang="en-SG" b="1" dirty="0">
-                <a:latin typeface="Courier New" panose="02070309020205020404" pitchFamily="49" charset="0"/>
-                <a:cs typeface="Courier New" panose="02070309020205020404" pitchFamily="49" charset="0"/>
-              </a:rPr>
-              <a:t> x) </a:t>
-            </a:r>
-          </a:p>
-          <a:p>
-            <a:pPr>
-              <a:tabLst>
-                <a:tab pos="347663" algn="l"/>
-                <a:tab pos="682625" algn="l"/>
-                <a:tab pos="1087438" algn="l"/>
-                <a:tab pos="1377950" algn="l"/>
-                <a:tab pos="1712913" algn="l"/>
-              </a:tabLst>
-            </a:pPr>
-            <a:r>
-              <a:rPr lang="en-SG" b="1" dirty="0">
-                <a:latin typeface="Courier New" panose="02070309020205020404" pitchFamily="49" charset="0"/>
-                <a:cs typeface="Courier New" panose="02070309020205020404" pitchFamily="49" charset="0"/>
-              </a:rPr>
-              <a:t>{ </a:t>
-            </a:r>
-          </a:p>
-          <a:p>
-            <a:pPr>
-              <a:tabLst>
-                <a:tab pos="347663" algn="l"/>
-                <a:tab pos="682625" algn="l"/>
-                <a:tab pos="1087438" algn="l"/>
-                <a:tab pos="1377950" algn="l"/>
-                <a:tab pos="1712913" algn="l"/>
-              </a:tabLst>
-            </a:pPr>
-            <a:r>
-              <a:rPr lang="en-SG" b="1" dirty="0">
-                <a:latin typeface="Courier New" panose="02070309020205020404" pitchFamily="49" charset="0"/>
-                <a:cs typeface="Courier New" panose="02070309020205020404" pitchFamily="49" charset="0"/>
-              </a:rPr>
-              <a:t>    </a:t>
-            </a:r>
-            <a:r>
-              <a:rPr lang="en-SG" b="1" dirty="0">
-                <a:solidFill>
-                  <a:srgbClr val="0000FF"/>
-                </a:solidFill>
-                <a:latin typeface="Courier New" panose="02070309020205020404" pitchFamily="49" charset="0"/>
-                <a:cs typeface="Courier New" panose="02070309020205020404" pitchFamily="49" charset="0"/>
-              </a:rPr>
-              <a:t>return</a:t>
-            </a:r>
-            <a:r>
-              <a:rPr lang="en-SG" b="1" dirty="0">
-                <a:latin typeface="Courier New" panose="02070309020205020404" pitchFamily="49" charset="0"/>
-                <a:cs typeface="Courier New" panose="02070309020205020404" pitchFamily="49" charset="0"/>
-              </a:rPr>
-              <a:t> x * x; </a:t>
-            </a:r>
-          </a:p>
-          <a:p>
-            <a:pPr>
-              <a:tabLst>
-                <a:tab pos="347663" algn="l"/>
-                <a:tab pos="682625" algn="l"/>
-                <a:tab pos="1087438" algn="l"/>
-                <a:tab pos="1377950" algn="l"/>
-                <a:tab pos="1712913" algn="l"/>
-              </a:tabLst>
-            </a:pPr>
-            <a:r>
-              <a:rPr lang="en-SG" b="1" dirty="0">
-                <a:latin typeface="Courier New" panose="02070309020205020404" pitchFamily="49" charset="0"/>
-                <a:cs typeface="Courier New" panose="02070309020205020404" pitchFamily="49" charset="0"/>
-              </a:rPr>
-              <a:t>} </a:t>
-            </a:r>
-          </a:p>
-          <a:p>
-            <a:pPr>
-              <a:tabLst>
-                <a:tab pos="347663" algn="l"/>
-                <a:tab pos="682625" algn="l"/>
-                <a:tab pos="1087438" algn="l"/>
-                <a:tab pos="1377950" algn="l"/>
-                <a:tab pos="1712913" algn="l"/>
-              </a:tabLst>
-            </a:pPr>
-            <a:endParaRPr lang="en-SG" b="1" dirty="0">
-              <a:latin typeface="Courier New" panose="02070309020205020404" pitchFamily="49" charset="0"/>
-              <a:cs typeface="Courier New" panose="02070309020205020404" pitchFamily="49" charset="0"/>
-            </a:endParaRPr>
-          </a:p>
-          <a:p>
-            <a:pPr>
-              <a:tabLst>
-                <a:tab pos="347663" algn="l"/>
-                <a:tab pos="682625" algn="l"/>
-                <a:tab pos="1087438" algn="l"/>
-                <a:tab pos="1377950" algn="l"/>
-                <a:tab pos="1712913" algn="l"/>
-              </a:tabLst>
-            </a:pPr>
-            <a:r>
-              <a:rPr lang="en-SG" b="1" dirty="0">
-                <a:solidFill>
-                  <a:srgbClr val="0000FF"/>
-                </a:solidFill>
-                <a:latin typeface="Courier New" panose="02070309020205020404" pitchFamily="49" charset="0"/>
-                <a:cs typeface="Courier New" panose="02070309020205020404" pitchFamily="49" charset="0"/>
-              </a:rPr>
-              <a:t>double</a:t>
-            </a:r>
-            <a:r>
-              <a:rPr lang="en-SG" b="1" dirty="0">
-                <a:latin typeface="Courier New" panose="02070309020205020404" pitchFamily="49" charset="0"/>
-                <a:cs typeface="Courier New" panose="02070309020205020404" pitchFamily="49" charset="0"/>
-              </a:rPr>
-              <a:t> </a:t>
-            </a:r>
-            <a:r>
-              <a:rPr lang="en-SG" b="1" dirty="0" err="1">
-                <a:latin typeface="Courier New" panose="02070309020205020404" pitchFamily="49" charset="0"/>
-                <a:cs typeface="Courier New" panose="02070309020205020404" pitchFamily="49" charset="0"/>
-              </a:rPr>
-              <a:t>hypotenuse_of</a:t>
-            </a:r>
-            <a:r>
-              <a:rPr lang="en-SG" b="1" dirty="0">
-                <a:latin typeface="Courier New" panose="02070309020205020404" pitchFamily="49" charset="0"/>
-                <a:cs typeface="Courier New" panose="02070309020205020404" pitchFamily="49" charset="0"/>
-              </a:rPr>
-              <a:t>(</a:t>
-            </a:r>
-            <a:r>
-              <a:rPr lang="en-SG" b="1" dirty="0">
-                <a:solidFill>
-                  <a:srgbClr val="0000FF"/>
-                </a:solidFill>
-                <a:latin typeface="Courier New" panose="02070309020205020404" pitchFamily="49" charset="0"/>
-                <a:cs typeface="Courier New" panose="02070309020205020404" pitchFamily="49" charset="0"/>
-              </a:rPr>
-              <a:t>long</a:t>
-            </a:r>
-            <a:r>
-              <a:rPr lang="en-SG" b="1" dirty="0">
-                <a:latin typeface="Courier New" panose="02070309020205020404" pitchFamily="49" charset="0"/>
-                <a:cs typeface="Courier New" panose="02070309020205020404" pitchFamily="49" charset="0"/>
-              </a:rPr>
-              <a:t> base, </a:t>
-            </a:r>
-            <a:r>
-              <a:rPr lang="en-SG" b="1" dirty="0">
-                <a:solidFill>
-                  <a:srgbClr val="0000FF"/>
-                </a:solidFill>
-                <a:latin typeface="Courier New" panose="02070309020205020404" pitchFamily="49" charset="0"/>
-                <a:cs typeface="Courier New" panose="02070309020205020404" pitchFamily="49" charset="0"/>
-              </a:rPr>
-              <a:t>long</a:t>
-            </a:r>
-            <a:r>
-              <a:rPr lang="en-SG" b="1" dirty="0">
-                <a:latin typeface="Courier New" panose="02070309020205020404" pitchFamily="49" charset="0"/>
-                <a:cs typeface="Courier New" panose="02070309020205020404" pitchFamily="49" charset="0"/>
-              </a:rPr>
-              <a:t> height) </a:t>
-            </a:r>
-          </a:p>
-          <a:p>
-            <a:pPr>
-              <a:tabLst>
-                <a:tab pos="347663" algn="l"/>
-                <a:tab pos="682625" algn="l"/>
-                <a:tab pos="1087438" algn="l"/>
-                <a:tab pos="1377950" algn="l"/>
-                <a:tab pos="1712913" algn="l"/>
-              </a:tabLst>
-            </a:pPr>
-            <a:r>
-              <a:rPr lang="en-SG" b="1" dirty="0">
-                <a:latin typeface="Courier New" panose="02070309020205020404" pitchFamily="49" charset="0"/>
-                <a:cs typeface="Courier New" panose="02070309020205020404" pitchFamily="49" charset="0"/>
-              </a:rPr>
-              <a:t>{ </a:t>
-            </a:r>
-          </a:p>
-          <a:p>
-            <a:pPr>
-              <a:tabLst>
-                <a:tab pos="347663" algn="l"/>
-                <a:tab pos="682625" algn="l"/>
-                <a:tab pos="1087438" algn="l"/>
-                <a:tab pos="1377950" algn="l"/>
-                <a:tab pos="1712913" algn="l"/>
-              </a:tabLst>
-            </a:pPr>
-            <a:r>
-              <a:rPr lang="en-SG" b="1" dirty="0">
-                <a:latin typeface="Courier New" panose="02070309020205020404" pitchFamily="49" charset="0"/>
-                <a:cs typeface="Courier New" panose="02070309020205020404" pitchFamily="49" charset="0"/>
-              </a:rPr>
-              <a:t>    </a:t>
-            </a:r>
-            <a:r>
-              <a:rPr lang="en-SG" b="1" dirty="0">
-                <a:solidFill>
-                  <a:srgbClr val="0000FF"/>
-                </a:solidFill>
-                <a:latin typeface="Courier New" panose="02070309020205020404" pitchFamily="49" charset="0"/>
-                <a:cs typeface="Courier New" panose="02070309020205020404" pitchFamily="49" charset="0"/>
-              </a:rPr>
-              <a:t>return</a:t>
-            </a:r>
-            <a:r>
-              <a:rPr lang="en-SG" b="1" dirty="0">
-                <a:latin typeface="Courier New" panose="02070309020205020404" pitchFamily="49" charset="0"/>
-                <a:cs typeface="Courier New" panose="02070309020205020404" pitchFamily="49" charset="0"/>
-              </a:rPr>
-              <a:t> sqrt(square(base) + square(height));</a:t>
-            </a:r>
-          </a:p>
-          <a:p>
-            <a:pPr>
-              <a:tabLst>
-                <a:tab pos="347663" algn="l"/>
-                <a:tab pos="682625" algn="l"/>
-                <a:tab pos="1087438" algn="l"/>
-                <a:tab pos="1377950" algn="l"/>
-                <a:tab pos="1712913" algn="l"/>
-              </a:tabLst>
-            </a:pPr>
-            <a:r>
-              <a:rPr lang="en-SG" b="1" dirty="0">
-                <a:latin typeface="Courier New" panose="02070309020205020404" pitchFamily="49" charset="0"/>
-                <a:cs typeface="Courier New" panose="02070309020205020404" pitchFamily="49" charset="0"/>
-              </a:rPr>
-              <a:t>}</a:t>
-            </a:r>
-            <a:endParaRPr lang="en-US" b="1" dirty="0">
-              <a:solidFill>
-                <a:schemeClr val="tx1"/>
-              </a:solidFill>
-              <a:latin typeface="Courier New" panose="02070309020205020404" pitchFamily="49" charset="0"/>
-              <a:cs typeface="Courier New" panose="02070309020205020404" pitchFamily="49" charset="0"/>
-            </a:endParaRPr>
-          </a:p>
-        </p:txBody>
-      </p:sp>
-      <p:sp>
-        <p:nvSpPr>
-          <p:cNvPr id="10" name="TextBox 9">
+      <p:sp>
+        <p:nvSpPr>
+          <p:cNvPr id="16" name="TextBox 15">
             <a:extLst>
               <a:ext uri="{FF2B5EF4-FFF2-40B4-BE49-F238E27FC236}">
-                <a16:creationId xmlns:a16="http://schemas.microsoft.com/office/drawing/2014/main" id="{1850E95F-4DF3-444D-BDF1-AF8F205268DD}"/>
+                <a16:creationId xmlns:a16="http://schemas.microsoft.com/office/drawing/2014/main" id="{922D50FF-3CFA-41E5-8696-87B6F11BB400}"/>
               </a:ext>
             </a:extLst>
           </p:cNvPr>
@@ -7692,1104 +7327,8 @@
         </p:nvSpPr>
         <p:spPr>
           <a:xfrm>
-            <a:off x="256235" y="1560915"/>
-            <a:ext cx="693336" cy="2862322"/>
-          </a:xfrm>
-          <a:prstGeom prst="rect">
-            <a:avLst/>
-          </a:prstGeom>
-          <a:noFill/>
-        </p:spPr>
-        <p:txBody>
-          <a:bodyPr wrap="square" rtlCol="0">
-            <a:spAutoFit/>
-          </a:bodyPr>
-          <a:lstStyle/>
-          <a:p>
-            <a:r>
-              <a:rPr lang="en-US" b="1" dirty="0">
-                <a:latin typeface="Courier New" panose="02070309020205020404" pitchFamily="49" charset="0"/>
-                <a:cs typeface="Courier New" panose="02070309020205020404" pitchFamily="49" charset="0"/>
-              </a:rPr>
-              <a:t>17</a:t>
-            </a:r>
-          </a:p>
-          <a:p>
-            <a:r>
-              <a:rPr lang="en-US" b="1" dirty="0">
-                <a:latin typeface="Courier New" panose="02070309020205020404" pitchFamily="49" charset="0"/>
-                <a:cs typeface="Courier New" panose="02070309020205020404" pitchFamily="49" charset="0"/>
-              </a:rPr>
-              <a:t>18</a:t>
-            </a:r>
-          </a:p>
-          <a:p>
-            <a:r>
-              <a:rPr lang="en-US" b="1" dirty="0">
-                <a:latin typeface="Courier New" panose="02070309020205020404" pitchFamily="49" charset="0"/>
-                <a:cs typeface="Courier New" panose="02070309020205020404" pitchFamily="49" charset="0"/>
-              </a:rPr>
-              <a:t>19</a:t>
-            </a:r>
-          </a:p>
-          <a:p>
-            <a:r>
-              <a:rPr lang="en-US" b="1" dirty="0">
-                <a:latin typeface="Courier New" panose="02070309020205020404" pitchFamily="49" charset="0"/>
-                <a:cs typeface="Courier New" panose="02070309020205020404" pitchFamily="49" charset="0"/>
-              </a:rPr>
-              <a:t>20</a:t>
-            </a:r>
-          </a:p>
-          <a:p>
-            <a:r>
-              <a:rPr lang="en-US" b="1" dirty="0">
-                <a:latin typeface="Courier New" panose="02070309020205020404" pitchFamily="49" charset="0"/>
-                <a:cs typeface="Courier New" panose="02070309020205020404" pitchFamily="49" charset="0"/>
-              </a:rPr>
-              <a:t>21</a:t>
-            </a:r>
-          </a:p>
-          <a:p>
-            <a:r>
-              <a:rPr lang="en-US" b="1" dirty="0">
-                <a:latin typeface="Courier New" panose="02070309020205020404" pitchFamily="49" charset="0"/>
-                <a:cs typeface="Courier New" panose="02070309020205020404" pitchFamily="49" charset="0"/>
-              </a:rPr>
-              <a:t>22</a:t>
-            </a:r>
-          </a:p>
-          <a:p>
-            <a:r>
-              <a:rPr lang="en-US" b="1" dirty="0">
-                <a:latin typeface="Courier New" panose="02070309020205020404" pitchFamily="49" charset="0"/>
-                <a:cs typeface="Courier New" panose="02070309020205020404" pitchFamily="49" charset="0"/>
-              </a:rPr>
-              <a:t>23</a:t>
-            </a:r>
-          </a:p>
-          <a:p>
-            <a:r>
-              <a:rPr lang="en-US" b="1" dirty="0">
-                <a:latin typeface="Courier New" panose="02070309020205020404" pitchFamily="49" charset="0"/>
-                <a:cs typeface="Courier New" panose="02070309020205020404" pitchFamily="49" charset="0"/>
-              </a:rPr>
-              <a:t>24</a:t>
-            </a:r>
-          </a:p>
-          <a:p>
-            <a:r>
-              <a:rPr lang="en-US" b="1" dirty="0">
-                <a:latin typeface="Courier New" panose="02070309020205020404" pitchFamily="49" charset="0"/>
-                <a:cs typeface="Courier New" panose="02070309020205020404" pitchFamily="49" charset="0"/>
-              </a:rPr>
-              <a:t>25</a:t>
-            </a:r>
-          </a:p>
-          <a:p>
-            <a:r>
-              <a:rPr lang="en-US" b="1" dirty="0">
-                <a:latin typeface="Courier New" panose="02070309020205020404" pitchFamily="49" charset="0"/>
-                <a:cs typeface="Courier New" panose="02070309020205020404" pitchFamily="49" charset="0"/>
-              </a:rPr>
-              <a:t>26</a:t>
-            </a:r>
-          </a:p>
-        </p:txBody>
-      </p:sp>
-    </p:spTree>
-    <p:extLst>
-      <p:ext uri="{BB962C8B-B14F-4D97-AF65-F5344CB8AC3E}">
-        <p14:creationId xmlns:p14="http://schemas.microsoft.com/office/powerpoint/2010/main" val="2939077141"/>
-      </p:ext>
-    </p:extLst>
-  </p:cSld>
-  <p:clrMapOvr>
-    <a:masterClrMapping/>
-  </p:clrMapOvr>
-  <p:transition>
-    <p:fade/>
-  </p:transition>
-</p:sld>
-</file>
-
-<file path=ppt/slides/slide4.xml><?xml version="1.0" encoding="utf-8"?>
-<p:sld xmlns:a="http://schemas.openxmlformats.org/drawingml/2006/main" xmlns:r="http://schemas.openxmlformats.org/officeDocument/2006/relationships" xmlns:p="http://schemas.openxmlformats.org/presentationml/2006/main">
-  <p:cSld>
-    <p:spTree>
-      <p:nvGrpSpPr>
-        <p:cNvPr id="1" name=""/>
-        <p:cNvGrpSpPr/>
-        <p:nvPr/>
-      </p:nvGrpSpPr>
-      <p:grpSpPr>
-        <a:xfrm>
-          <a:off x="0" y="0"/>
-          <a:ext cx="0" cy="0"/>
-          <a:chOff x="0" y="0"/>
-          <a:chExt cx="0" cy="0"/>
-        </a:xfrm>
-      </p:grpSpPr>
-      <p:sp>
-        <p:nvSpPr>
-          <p:cNvPr id="25602" name="[Rectangle 2]"/>
-          <p:cNvSpPr>
-            <a:spLocks noGrp="1" noChangeArrowheads="1"/>
-          </p:cNvSpPr>
-          <p:nvPr>
-            <p:ph type="title"/>
-          </p:nvPr>
-        </p:nvSpPr>
-        <p:spPr>
-          <a:xfrm>
-            <a:off x="533400" y="457200"/>
-            <a:ext cx="8153400" cy="685800"/>
-          </a:xfrm>
-        </p:spPr>
-        <p:txBody>
-          <a:bodyPr>
-            <a:normAutofit fontScale="90000"/>
-          </a:bodyPr>
-          <a:lstStyle/>
-          <a:p>
-            <a:pPr eaLnBrk="1" hangingPunct="1"/>
-            <a:r>
-              <a:rPr lang="en-GB" sz="4000" dirty="0">
-                <a:solidFill>
-                  <a:srgbClr val="FF0000"/>
-                </a:solidFill>
-              </a:rPr>
-              <a:t>Extremely</a:t>
-            </a:r>
-            <a:r>
-              <a:rPr lang="en-GB" sz="4000" dirty="0">
-                <a:solidFill>
-                  <a:srgbClr val="0000FF"/>
-                </a:solidFill>
-              </a:rPr>
-              <a:t> Common Mistakes</a:t>
-            </a:r>
-            <a:endParaRPr lang="en-GB" dirty="0">
-              <a:solidFill>
-                <a:srgbClr val="0000FF"/>
-              </a:solidFill>
-            </a:endParaRPr>
-          </a:p>
-        </p:txBody>
-      </p:sp>
-      <p:sp>
-        <p:nvSpPr>
-          <p:cNvPr id="9" name="Slide Number Placeholder 8"/>
-          <p:cNvSpPr>
-            <a:spLocks noGrp="1"/>
-          </p:cNvSpPr>
-          <p:nvPr>
-            <p:ph type="sldNum" sz="quarter" idx="12"/>
-          </p:nvPr>
-        </p:nvSpPr>
-        <p:spPr/>
-        <p:txBody>
-          <a:bodyPr>
-            <a:normAutofit/>
-          </a:bodyPr>
-          <a:lstStyle/>
-          <a:p>
-            <a:pPr>
-              <a:defRPr/>
-            </a:pPr>
-            <a:r>
-              <a:rPr lang="en-US" dirty="0"/>
-              <a:t>Week3</a:t>
-            </a:r>
-            <a:r>
-              <a:rPr dirty="0"/>
-              <a:t> - </a:t>
-            </a:r>
-            <a:fld id="{24D17162-63A3-49DC-92B1-933428BCC85F}" type="slidenum">
-              <a:rPr smtClean="0"/>
-              <a:pPr>
-                <a:defRPr/>
-              </a:pPr>
-              <a:t>4</a:t>
-            </a:fld>
-            <a:endParaRPr dirty="0"/>
-          </a:p>
-        </p:txBody>
-      </p:sp>
-      <p:sp>
-        <p:nvSpPr>
-          <p:cNvPr id="14" name="[Date Placeholder 3]"/>
-          <p:cNvSpPr>
-            <a:spLocks noGrp="1"/>
-          </p:cNvSpPr>
-          <p:nvPr>
-            <p:ph type="dt" sz="half" idx="10"/>
-          </p:nvPr>
-        </p:nvSpPr>
-        <p:spPr>
-          <a:xfrm>
-            <a:off x="457200" y="18288"/>
-            <a:ext cx="2895600" cy="329184"/>
-          </a:xfrm>
-        </p:spPr>
-        <p:txBody>
-          <a:bodyPr/>
-          <a:lstStyle/>
-          <a:p>
-            <a:pPr>
-              <a:defRPr/>
-            </a:pPr>
-            <a:r>
-              <a:rPr lang="en-US" dirty="0"/>
-              <a:t>© NUS</a:t>
-            </a:r>
-          </a:p>
-        </p:txBody>
-      </p:sp>
-      <p:sp>
-        <p:nvSpPr>
-          <p:cNvPr id="7" name="Content Placeholder 5"/>
-          <p:cNvSpPr>
-            <a:spLocks noGrp="1"/>
-          </p:cNvSpPr>
-          <p:nvPr>
-            <p:ph idx="1"/>
-          </p:nvPr>
-        </p:nvSpPr>
-        <p:spPr>
-          <a:xfrm>
-            <a:off x="587375" y="1208691"/>
-            <a:ext cx="8229600" cy="1000970"/>
-          </a:xfrm>
-        </p:spPr>
-        <p:txBody>
-          <a:bodyPr>
-            <a:noAutofit/>
-          </a:bodyPr>
-          <a:lstStyle/>
-          <a:p>
-            <a:pPr marL="352425" indent="-352425" eaLnBrk="1" hangingPunct="1">
-              <a:buClr>
-                <a:schemeClr val="tx1">
-                  <a:lumMod val="90000"/>
-                  <a:lumOff val="10000"/>
-                </a:schemeClr>
-              </a:buClr>
-              <a:buSzPct val="100000"/>
-              <a:buFont typeface="Wingdings" panose="05000000000000000000" pitchFamily="2" charset="2"/>
-              <a:buChar char="§"/>
-              <a:defRPr/>
-            </a:pPr>
-            <a:r>
-              <a:rPr lang="en-US" dirty="0"/>
-              <a:t>Not initializing variables</a:t>
-            </a:r>
-          </a:p>
-          <a:p>
-            <a:pPr marL="352425" indent="-352425" eaLnBrk="1" hangingPunct="1">
-              <a:buClr>
-                <a:schemeClr val="tx1">
-                  <a:lumMod val="90000"/>
-                  <a:lumOff val="10000"/>
-                </a:schemeClr>
-              </a:buClr>
-              <a:buSzPct val="100000"/>
-              <a:buFont typeface="Wingdings" panose="05000000000000000000" pitchFamily="2" charset="2"/>
-              <a:buChar char="§"/>
-              <a:defRPr/>
-            </a:pPr>
-            <a:endParaRPr lang="en-US" dirty="0"/>
-          </a:p>
-          <a:p>
-            <a:pPr marL="352425" indent="-352425" eaLnBrk="1" hangingPunct="1">
-              <a:buClr>
-                <a:schemeClr val="tx1">
-                  <a:lumMod val="90000"/>
-                  <a:lumOff val="10000"/>
-                </a:schemeClr>
-              </a:buClr>
-              <a:buSzPct val="100000"/>
-              <a:buFont typeface="Wingdings" panose="05000000000000000000" pitchFamily="2" charset="2"/>
-              <a:buChar char="§"/>
-              <a:defRPr/>
-            </a:pPr>
-            <a:endParaRPr lang="en-US" dirty="0"/>
-          </a:p>
-          <a:p>
-            <a:pPr marL="352425" indent="-352425" eaLnBrk="1" hangingPunct="1">
-              <a:buClr>
-                <a:schemeClr val="tx1">
-                  <a:lumMod val="90000"/>
-                  <a:lumOff val="10000"/>
-                </a:schemeClr>
-              </a:buClr>
-              <a:buSzPct val="100000"/>
-              <a:buFont typeface="Wingdings" panose="05000000000000000000" pitchFamily="2" charset="2"/>
-              <a:buChar char="§"/>
-              <a:defRPr/>
-            </a:pPr>
-            <a:endParaRPr lang="en-US" dirty="0"/>
-          </a:p>
-          <a:p>
-            <a:pPr marL="352425" indent="-352425" eaLnBrk="1" hangingPunct="1">
-              <a:buClr>
-                <a:schemeClr val="tx1">
-                  <a:lumMod val="90000"/>
-                  <a:lumOff val="10000"/>
-                </a:schemeClr>
-              </a:buClr>
-              <a:buSzPct val="100000"/>
-              <a:buFont typeface="Wingdings" panose="05000000000000000000" pitchFamily="2" charset="2"/>
-              <a:buChar char="§"/>
-              <a:defRPr/>
-            </a:pPr>
-            <a:endParaRPr lang="en-US" dirty="0"/>
-          </a:p>
-          <a:p>
-            <a:pPr marL="352425" indent="-352425">
-              <a:buClr>
-                <a:schemeClr val="tx1">
-                  <a:lumMod val="90000"/>
-                  <a:lumOff val="10000"/>
-                </a:schemeClr>
-              </a:buClr>
-              <a:buSzPct val="100000"/>
-              <a:buFont typeface="Wingdings" panose="05000000000000000000" pitchFamily="2" charset="2"/>
-              <a:buChar char="§"/>
-              <a:defRPr/>
-            </a:pPr>
-            <a:r>
-              <a:rPr lang="en-US" dirty="0"/>
-              <a:t>Unintended integer division</a:t>
-            </a:r>
-          </a:p>
-          <a:p>
-            <a:pPr marL="352425" indent="-352425" eaLnBrk="1" hangingPunct="1">
-              <a:buClr>
-                <a:schemeClr val="tx1">
-                  <a:lumMod val="90000"/>
-                  <a:lumOff val="10000"/>
-                </a:schemeClr>
-              </a:buClr>
-              <a:buSzPct val="100000"/>
-              <a:buFont typeface="Wingdings" panose="05000000000000000000" pitchFamily="2" charset="2"/>
-              <a:buChar char="§"/>
-              <a:defRPr/>
-            </a:pPr>
-            <a:endParaRPr lang="en-US" dirty="0"/>
-          </a:p>
-          <a:p>
-            <a:pPr marL="352425" indent="-352425" eaLnBrk="1" hangingPunct="1">
-              <a:buClr>
-                <a:schemeClr val="tx1">
-                  <a:lumMod val="90000"/>
-                  <a:lumOff val="10000"/>
-                </a:schemeClr>
-              </a:buClr>
-              <a:buSzPct val="100000"/>
-              <a:buFont typeface="Wingdings" panose="05000000000000000000" pitchFamily="2" charset="2"/>
-              <a:buChar char="§"/>
-              <a:defRPr/>
-            </a:pPr>
-            <a:endParaRPr lang="en-US" dirty="0"/>
-          </a:p>
-          <a:p>
-            <a:pPr marL="352425" indent="-352425" eaLnBrk="1" hangingPunct="1">
-              <a:buClr>
-                <a:schemeClr val="tx1">
-                  <a:lumMod val="90000"/>
-                  <a:lumOff val="10000"/>
-                </a:schemeClr>
-              </a:buClr>
-              <a:buSzPct val="100000"/>
-              <a:buFont typeface="Wingdings" panose="05000000000000000000" pitchFamily="2" charset="2"/>
-              <a:buChar char="§"/>
-              <a:defRPr/>
-            </a:pPr>
-            <a:endParaRPr lang="en-US" dirty="0"/>
-          </a:p>
-          <a:p>
-            <a:pPr marL="352425" indent="-352425" eaLnBrk="1" hangingPunct="1">
-              <a:buClr>
-                <a:schemeClr val="tx1">
-                  <a:lumMod val="90000"/>
-                  <a:lumOff val="10000"/>
-                </a:schemeClr>
-              </a:buClr>
-              <a:buSzPct val="100000"/>
-              <a:buFont typeface="Wingdings" panose="05000000000000000000" pitchFamily="2" charset="2"/>
-              <a:buChar char="§"/>
-              <a:defRPr/>
-            </a:pPr>
-            <a:endParaRPr lang="en-US" dirty="0"/>
-          </a:p>
-          <a:p>
-            <a:pPr marL="352425" indent="-352425" eaLnBrk="1" hangingPunct="1">
-              <a:buClr>
-                <a:schemeClr val="tx1">
-                  <a:lumMod val="90000"/>
-                  <a:lumOff val="10000"/>
-                </a:schemeClr>
-              </a:buClr>
-              <a:buSzPct val="100000"/>
-              <a:buFont typeface="Wingdings" panose="05000000000000000000" pitchFamily="2" charset="2"/>
-              <a:buChar char="§"/>
-              <a:defRPr/>
-            </a:pPr>
-            <a:endParaRPr lang="en-US" dirty="0"/>
-          </a:p>
-        </p:txBody>
-      </p:sp>
-      <p:sp>
-        <p:nvSpPr>
-          <p:cNvPr id="8" name="TextBox 7"/>
-          <p:cNvSpPr txBox="1"/>
-          <p:nvPr/>
-        </p:nvSpPr>
-        <p:spPr>
-          <a:xfrm>
-            <a:off x="1781504" y="1726358"/>
-            <a:ext cx="1647497" cy="646331"/>
-          </a:xfrm>
-          <a:prstGeom prst="rect">
-            <a:avLst/>
-          </a:prstGeom>
-          <a:noFill/>
-        </p:spPr>
-        <p:style>
-          <a:lnRef idx="2">
-            <a:schemeClr val="accent5"/>
-          </a:lnRef>
-          <a:fillRef idx="1">
-            <a:schemeClr val="lt1"/>
-          </a:fillRef>
-          <a:effectRef idx="0">
-            <a:schemeClr val="accent5"/>
-          </a:effectRef>
-          <a:fontRef idx="minor">
-            <a:schemeClr val="dk1"/>
-          </a:fontRef>
-        </p:style>
-        <p:txBody>
-          <a:bodyPr wrap="square" rtlCol="0">
-            <a:spAutoFit/>
-          </a:bodyPr>
-          <a:lstStyle/>
-          <a:p>
-            <a:r>
-              <a:rPr lang="en-US" b="1" dirty="0">
-                <a:solidFill>
-                  <a:srgbClr val="0000FF"/>
-                </a:solidFill>
-                <a:latin typeface="Courier New" pitchFamily="49" charset="0"/>
-                <a:cs typeface="Courier New" pitchFamily="49" charset="0"/>
-              </a:rPr>
-              <a:t>long</a:t>
-            </a:r>
-            <a:r>
-              <a:rPr lang="en-US" b="1" dirty="0">
-                <a:latin typeface="Courier New" pitchFamily="49" charset="0"/>
-                <a:cs typeface="Courier New" pitchFamily="49" charset="0"/>
-              </a:rPr>
-              <a:t> a, b;</a:t>
-            </a:r>
-          </a:p>
-          <a:p>
-            <a:r>
-              <a:rPr lang="en-US" b="1" dirty="0">
-                <a:latin typeface="Courier New" pitchFamily="49" charset="0"/>
-                <a:cs typeface="Courier New" pitchFamily="49" charset="0"/>
-              </a:rPr>
-              <a:t>a = b + </a:t>
-            </a:r>
-            <a:r>
-              <a:rPr lang="en-US" b="1" dirty="0">
-                <a:solidFill>
-                  <a:srgbClr val="C00000"/>
-                </a:solidFill>
-                <a:latin typeface="Courier New" pitchFamily="49" charset="0"/>
-                <a:cs typeface="Courier New" pitchFamily="49" charset="0"/>
-              </a:rPr>
-              <a:t>3</a:t>
-            </a:r>
-            <a:r>
-              <a:rPr lang="en-US" b="1" dirty="0">
-                <a:latin typeface="Courier New" pitchFamily="49" charset="0"/>
-                <a:cs typeface="Courier New" pitchFamily="49" charset="0"/>
-              </a:rPr>
-              <a:t>;</a:t>
-            </a:r>
-            <a:endParaRPr lang="en-US" b="1" dirty="0">
-              <a:solidFill>
-                <a:srgbClr val="800000"/>
-              </a:solidFill>
-              <a:latin typeface="Courier New" pitchFamily="49" charset="0"/>
-              <a:cs typeface="Courier New" pitchFamily="49" charset="0"/>
-            </a:endParaRPr>
-          </a:p>
-        </p:txBody>
-      </p:sp>
-      <p:sp>
-        <p:nvSpPr>
-          <p:cNvPr id="16" name="TextBox 15"/>
-          <p:cNvSpPr txBox="1"/>
-          <p:nvPr/>
-        </p:nvSpPr>
-        <p:spPr>
-          <a:xfrm>
-            <a:off x="5223641" y="2113914"/>
-            <a:ext cx="3288988" cy="646331"/>
-          </a:xfrm>
-          <a:prstGeom prst="rect">
-            <a:avLst/>
-          </a:prstGeom>
-          <a:solidFill>
-            <a:srgbClr val="CCFFFF"/>
-          </a:solidFill>
-          <a:ln w="12700"/>
-        </p:spPr>
-        <p:style>
-          <a:lnRef idx="2">
-            <a:schemeClr val="accent4"/>
-          </a:lnRef>
-          <a:fillRef idx="1">
-            <a:schemeClr val="lt1"/>
-          </a:fillRef>
-          <a:effectRef idx="0">
-            <a:schemeClr val="accent4"/>
-          </a:effectRef>
-          <a:fontRef idx="minor">
-            <a:schemeClr val="dk1"/>
-          </a:fontRef>
-        </p:style>
-        <p:txBody>
-          <a:bodyPr wrap="square" rtlCol="0">
-            <a:spAutoFit/>
-          </a:bodyPr>
-          <a:lstStyle/>
-          <a:p>
-            <a:r>
-              <a:rPr lang="en-US" u="sng" dirty="0"/>
-              <a:t>Cannot</a:t>
-            </a:r>
-            <a:r>
-              <a:rPr lang="en-US" dirty="0"/>
-              <a:t> assume that the initial value of a variable is zero!</a:t>
-            </a:r>
-          </a:p>
-        </p:txBody>
-      </p:sp>
-      <p:sp>
-        <p:nvSpPr>
-          <p:cNvPr id="17" name="TextBox 16">
-            <a:extLst>
-              <a:ext uri="{FF2B5EF4-FFF2-40B4-BE49-F238E27FC236}">
-                <a16:creationId xmlns:a16="http://schemas.microsoft.com/office/drawing/2014/main" id="{99B30EFD-AC62-A84C-B568-481368C993F1}"/>
-              </a:ext>
-            </a:extLst>
-          </p:cNvPr>
-          <p:cNvSpPr txBox="1"/>
-          <p:nvPr/>
-        </p:nvSpPr>
-        <p:spPr>
-          <a:xfrm>
-            <a:off x="1781504" y="2577033"/>
-            <a:ext cx="3117068" cy="646331"/>
-          </a:xfrm>
-          <a:prstGeom prst="rect">
-            <a:avLst/>
-          </a:prstGeom>
-          <a:noFill/>
-        </p:spPr>
-        <p:style>
-          <a:lnRef idx="2">
-            <a:schemeClr val="accent5"/>
-          </a:lnRef>
-          <a:fillRef idx="1">
-            <a:schemeClr val="lt1"/>
-          </a:fillRef>
-          <a:effectRef idx="0">
-            <a:schemeClr val="accent5"/>
-          </a:effectRef>
-          <a:fontRef idx="minor">
-            <a:schemeClr val="dk1"/>
-          </a:fontRef>
-        </p:style>
-        <p:txBody>
-          <a:bodyPr wrap="square" rtlCol="0">
-            <a:spAutoFit/>
-          </a:bodyPr>
-          <a:lstStyle/>
-          <a:p>
-            <a:r>
-              <a:rPr lang="en-US" b="1" dirty="0">
-                <a:solidFill>
-                  <a:srgbClr val="0000FF"/>
-                </a:solidFill>
-                <a:latin typeface="Courier New" pitchFamily="49" charset="0"/>
-                <a:cs typeface="Courier New" pitchFamily="49" charset="0"/>
-              </a:rPr>
-              <a:t>long</a:t>
-            </a:r>
-            <a:r>
-              <a:rPr lang="en-US" b="1" dirty="0">
-                <a:latin typeface="Courier New" pitchFamily="49" charset="0"/>
-                <a:cs typeface="Courier New" pitchFamily="49" charset="0"/>
-              </a:rPr>
-              <a:t> x;</a:t>
-            </a:r>
-          </a:p>
-          <a:p>
-            <a:r>
-              <a:rPr lang="en-US" b="1" dirty="0">
-                <a:latin typeface="Courier New" pitchFamily="49" charset="0"/>
-                <a:cs typeface="Courier New" pitchFamily="49" charset="0"/>
-              </a:rPr>
-              <a:t>CS1010_print_long(x); </a:t>
-            </a:r>
-            <a:endParaRPr lang="en-US" b="1" dirty="0">
-              <a:solidFill>
-                <a:srgbClr val="800000"/>
-              </a:solidFill>
-              <a:latin typeface="Courier New" pitchFamily="49" charset="0"/>
-              <a:cs typeface="Courier New" pitchFamily="49" charset="0"/>
-            </a:endParaRPr>
-          </a:p>
-        </p:txBody>
-      </p:sp>
-      <p:sp>
-        <p:nvSpPr>
-          <p:cNvPr id="21" name="TextBox 20">
-            <a:extLst>
-              <a:ext uri="{FF2B5EF4-FFF2-40B4-BE49-F238E27FC236}">
-                <a16:creationId xmlns:a16="http://schemas.microsoft.com/office/drawing/2014/main" id="{92689133-78A2-474B-8354-D57F493DCCB4}"/>
-              </a:ext>
-            </a:extLst>
-          </p:cNvPr>
-          <p:cNvSpPr txBox="1"/>
-          <p:nvPr/>
-        </p:nvSpPr>
-        <p:spPr>
-          <a:xfrm>
-            <a:off x="1328971" y="4079500"/>
-            <a:ext cx="2854927" cy="369332"/>
-          </a:xfrm>
-          <a:prstGeom prst="rect">
-            <a:avLst/>
-          </a:prstGeom>
-          <a:noFill/>
-        </p:spPr>
-        <p:style>
-          <a:lnRef idx="2">
-            <a:schemeClr val="accent5"/>
-          </a:lnRef>
-          <a:fillRef idx="1">
-            <a:schemeClr val="lt1"/>
-          </a:fillRef>
-          <a:effectRef idx="0">
-            <a:schemeClr val="accent5"/>
-          </a:effectRef>
-          <a:fontRef idx="minor">
-            <a:schemeClr val="dk1"/>
-          </a:fontRef>
-        </p:style>
-        <p:txBody>
-          <a:bodyPr wrap="square" rtlCol="0">
-            <a:spAutoFit/>
-          </a:bodyPr>
-          <a:lstStyle/>
-          <a:p>
-            <a:r>
-              <a:rPr lang="en-US" b="1" dirty="0">
-                <a:solidFill>
-                  <a:srgbClr val="0000FF"/>
-                </a:solidFill>
-                <a:latin typeface="Courier New" pitchFamily="49" charset="0"/>
-                <a:cs typeface="Courier New" pitchFamily="49" charset="0"/>
-              </a:rPr>
-              <a:t>double </a:t>
-            </a:r>
-            <a:r>
-              <a:rPr lang="en-US" b="1" dirty="0">
-                <a:solidFill>
-                  <a:schemeClr val="tx1"/>
-                </a:solidFill>
-                <a:latin typeface="Courier New" pitchFamily="49" charset="0"/>
-                <a:cs typeface="Courier New" pitchFamily="49" charset="0"/>
-              </a:rPr>
-              <a:t>half =</a:t>
-            </a:r>
-            <a:r>
-              <a:rPr lang="en-US" b="1" dirty="0">
-                <a:solidFill>
-                  <a:srgbClr val="0000FF"/>
-                </a:solidFill>
-                <a:latin typeface="Courier New" pitchFamily="49" charset="0"/>
-                <a:cs typeface="Courier New" pitchFamily="49" charset="0"/>
-              </a:rPr>
-              <a:t> </a:t>
-            </a:r>
-            <a:r>
-              <a:rPr lang="en-US" b="1" dirty="0">
-                <a:solidFill>
-                  <a:srgbClr val="C00000"/>
-                </a:solidFill>
-                <a:latin typeface="Courier New" pitchFamily="49" charset="0"/>
-                <a:cs typeface="Courier New" pitchFamily="49" charset="0"/>
-              </a:rPr>
-              <a:t>3</a:t>
-            </a:r>
-            <a:r>
-              <a:rPr lang="en-US" b="1" dirty="0">
-                <a:solidFill>
-                  <a:schemeClr val="tx1"/>
-                </a:solidFill>
-                <a:latin typeface="Courier New" pitchFamily="49" charset="0"/>
-                <a:cs typeface="Courier New" pitchFamily="49" charset="0"/>
-              </a:rPr>
-              <a:t>/</a:t>
-            </a:r>
-            <a:r>
-              <a:rPr lang="en-US" b="1" dirty="0">
-                <a:solidFill>
-                  <a:srgbClr val="C00000"/>
-                </a:solidFill>
-                <a:latin typeface="Courier New" pitchFamily="49" charset="0"/>
-                <a:cs typeface="Courier New" pitchFamily="49" charset="0"/>
-              </a:rPr>
-              <a:t>2</a:t>
-            </a:r>
-            <a:r>
-              <a:rPr lang="en-US" b="1" dirty="0">
-                <a:solidFill>
-                  <a:schemeClr val="tx1"/>
-                </a:solidFill>
-                <a:latin typeface="Courier New" pitchFamily="49" charset="0"/>
-                <a:cs typeface="Courier New" pitchFamily="49" charset="0"/>
-              </a:rPr>
-              <a:t>;</a:t>
-            </a:r>
-          </a:p>
-        </p:txBody>
-      </p:sp>
-      <p:sp>
-        <p:nvSpPr>
-          <p:cNvPr id="22" name="TextBox 21">
-            <a:extLst>
-              <a:ext uri="{FF2B5EF4-FFF2-40B4-BE49-F238E27FC236}">
-                <a16:creationId xmlns:a16="http://schemas.microsoft.com/office/drawing/2014/main" id="{7399F68A-414A-A748-8512-49F618250290}"/>
-              </a:ext>
-            </a:extLst>
-          </p:cNvPr>
-          <p:cNvSpPr txBox="1"/>
-          <p:nvPr/>
-        </p:nvSpPr>
-        <p:spPr>
-          <a:xfrm>
-            <a:off x="5241182" y="3813547"/>
-            <a:ext cx="1273176" cy="646331"/>
-          </a:xfrm>
-          <a:prstGeom prst="rect">
-            <a:avLst/>
-          </a:prstGeom>
-          <a:solidFill>
-            <a:srgbClr val="CCFFFF"/>
-          </a:solidFill>
-          <a:ln w="12700"/>
-        </p:spPr>
-        <p:style>
-          <a:lnRef idx="2">
-            <a:schemeClr val="accent4"/>
-          </a:lnRef>
-          <a:fillRef idx="1">
-            <a:schemeClr val="lt1"/>
-          </a:fillRef>
-          <a:effectRef idx="0">
-            <a:schemeClr val="accent4"/>
-          </a:effectRef>
-          <a:fontRef idx="minor">
-            <a:schemeClr val="dk1"/>
-          </a:fontRef>
-        </p:style>
-        <p:txBody>
-          <a:bodyPr wrap="square" rtlCol="0">
-            <a:spAutoFit/>
-          </a:bodyPr>
-          <a:lstStyle/>
-          <a:p>
-            <a:r>
-              <a:rPr lang="en-US" dirty="0"/>
-              <a:t>Truncation occurs!</a:t>
-            </a:r>
-          </a:p>
-        </p:txBody>
-      </p:sp>
-      <p:sp>
-        <p:nvSpPr>
-          <p:cNvPr id="23" name="TextBox 22">
-            <a:extLst>
-              <a:ext uri="{FF2B5EF4-FFF2-40B4-BE49-F238E27FC236}">
-                <a16:creationId xmlns:a16="http://schemas.microsoft.com/office/drawing/2014/main" id="{81265B68-2B22-9A4C-BCC7-9470D59EACF7}"/>
-              </a:ext>
-            </a:extLst>
-          </p:cNvPr>
-          <p:cNvSpPr txBox="1"/>
-          <p:nvPr/>
-        </p:nvSpPr>
-        <p:spPr>
-          <a:xfrm>
-            <a:off x="1328970" y="5391821"/>
-            <a:ext cx="3787040" cy="369332"/>
-          </a:xfrm>
-          <a:prstGeom prst="rect">
-            <a:avLst/>
-          </a:prstGeom>
-          <a:noFill/>
-        </p:spPr>
-        <p:style>
-          <a:lnRef idx="2">
-            <a:schemeClr val="accent5"/>
-          </a:lnRef>
-          <a:fillRef idx="1">
-            <a:schemeClr val="lt1"/>
-          </a:fillRef>
-          <a:effectRef idx="0">
-            <a:schemeClr val="accent5"/>
-          </a:effectRef>
-          <a:fontRef idx="minor">
-            <a:schemeClr val="dk1"/>
-          </a:fontRef>
-        </p:style>
-        <p:txBody>
-          <a:bodyPr wrap="square" rtlCol="0">
-            <a:spAutoFit/>
-          </a:bodyPr>
-          <a:lstStyle/>
-          <a:p>
-            <a:r>
-              <a:rPr lang="en-US" b="1" dirty="0">
-                <a:solidFill>
-                  <a:srgbClr val="0000FF"/>
-                </a:solidFill>
-                <a:latin typeface="Courier New" pitchFamily="49" charset="0"/>
-                <a:cs typeface="Courier New" pitchFamily="49" charset="0"/>
-              </a:rPr>
-              <a:t>double </a:t>
-            </a:r>
-            <a:r>
-              <a:rPr lang="en-US" b="1" dirty="0">
-                <a:solidFill>
-                  <a:schemeClr val="tx1"/>
-                </a:solidFill>
-                <a:latin typeface="Courier New" pitchFamily="49" charset="0"/>
-                <a:cs typeface="Courier New" pitchFamily="49" charset="0"/>
-              </a:rPr>
-              <a:t>half =</a:t>
-            </a:r>
-            <a:r>
-              <a:rPr lang="en-US" b="1" dirty="0">
-                <a:solidFill>
-                  <a:srgbClr val="0000FF"/>
-                </a:solidFill>
-                <a:latin typeface="Courier New" pitchFamily="49" charset="0"/>
-                <a:cs typeface="Courier New" pitchFamily="49" charset="0"/>
-              </a:rPr>
-              <a:t> </a:t>
-            </a:r>
-            <a:r>
-              <a:rPr lang="en-US" b="1" dirty="0">
-                <a:solidFill>
-                  <a:srgbClr val="C00000"/>
-                </a:solidFill>
-                <a:latin typeface="Courier New" pitchFamily="49" charset="0"/>
-                <a:cs typeface="Courier New" pitchFamily="49" charset="0"/>
-              </a:rPr>
-              <a:t>3</a:t>
-            </a:r>
-            <a:r>
-              <a:rPr lang="en-US" b="1" dirty="0">
-                <a:solidFill>
-                  <a:schemeClr val="tx1"/>
-                </a:solidFill>
-                <a:latin typeface="Courier New" pitchFamily="49" charset="0"/>
-                <a:cs typeface="Courier New" pitchFamily="49" charset="0"/>
-              </a:rPr>
-              <a:t>/(</a:t>
-            </a:r>
-            <a:r>
-              <a:rPr lang="en-US" b="1" dirty="0">
-                <a:solidFill>
-                  <a:srgbClr val="0000FF"/>
-                </a:solidFill>
-                <a:latin typeface="Courier New" pitchFamily="49" charset="0"/>
-                <a:cs typeface="Courier New" pitchFamily="49" charset="0"/>
-              </a:rPr>
-              <a:t>double</a:t>
-            </a:r>
-            <a:r>
-              <a:rPr lang="en-US" b="1" dirty="0">
-                <a:solidFill>
-                  <a:schemeClr val="tx1"/>
-                </a:solidFill>
-                <a:latin typeface="Courier New" pitchFamily="49" charset="0"/>
-                <a:cs typeface="Courier New" pitchFamily="49" charset="0"/>
-              </a:rPr>
-              <a:t>)</a:t>
-            </a:r>
-            <a:r>
-              <a:rPr lang="en-US" b="1" dirty="0">
-                <a:solidFill>
-                  <a:srgbClr val="C00000"/>
-                </a:solidFill>
-                <a:latin typeface="Courier New" pitchFamily="49" charset="0"/>
-                <a:cs typeface="Courier New" pitchFamily="49" charset="0"/>
-              </a:rPr>
-              <a:t>2</a:t>
-            </a:r>
-            <a:r>
-              <a:rPr lang="en-US" b="1" dirty="0">
-                <a:solidFill>
-                  <a:schemeClr val="tx1"/>
-                </a:solidFill>
-                <a:latin typeface="Courier New" pitchFamily="49" charset="0"/>
-                <a:cs typeface="Courier New" pitchFamily="49" charset="0"/>
-              </a:rPr>
-              <a:t>;</a:t>
-            </a:r>
-          </a:p>
-        </p:txBody>
-      </p:sp>
-      <p:sp>
-        <p:nvSpPr>
-          <p:cNvPr id="24" name="TextBox 23">
-            <a:extLst>
-              <a:ext uri="{FF2B5EF4-FFF2-40B4-BE49-F238E27FC236}">
-                <a16:creationId xmlns:a16="http://schemas.microsoft.com/office/drawing/2014/main" id="{62E951F5-1D1F-1E41-B308-90593A513B26}"/>
-              </a:ext>
-            </a:extLst>
-          </p:cNvPr>
-          <p:cNvSpPr txBox="1"/>
-          <p:nvPr/>
-        </p:nvSpPr>
-        <p:spPr>
-          <a:xfrm>
-            <a:off x="1328970" y="4952733"/>
-            <a:ext cx="2965238" cy="369332"/>
-          </a:xfrm>
-          <a:prstGeom prst="rect">
-            <a:avLst/>
-          </a:prstGeom>
-          <a:noFill/>
-        </p:spPr>
-        <p:style>
-          <a:lnRef idx="2">
-            <a:schemeClr val="accent5"/>
-          </a:lnRef>
-          <a:fillRef idx="1">
-            <a:schemeClr val="lt1"/>
-          </a:fillRef>
-          <a:effectRef idx="0">
-            <a:schemeClr val="accent5"/>
-          </a:effectRef>
-          <a:fontRef idx="minor">
-            <a:schemeClr val="dk1"/>
-          </a:fontRef>
-        </p:style>
-        <p:txBody>
-          <a:bodyPr wrap="square" rtlCol="0">
-            <a:spAutoFit/>
-          </a:bodyPr>
-          <a:lstStyle/>
-          <a:p>
-            <a:r>
-              <a:rPr lang="en-US" b="1" dirty="0">
-                <a:solidFill>
-                  <a:srgbClr val="0000FF"/>
-                </a:solidFill>
-                <a:latin typeface="Courier New" pitchFamily="49" charset="0"/>
-                <a:cs typeface="Courier New" pitchFamily="49" charset="0"/>
-              </a:rPr>
-              <a:t>double </a:t>
-            </a:r>
-            <a:r>
-              <a:rPr lang="en-US" b="1" dirty="0">
-                <a:solidFill>
-                  <a:schemeClr val="tx1"/>
-                </a:solidFill>
-                <a:latin typeface="Courier New" pitchFamily="49" charset="0"/>
-                <a:cs typeface="Courier New" pitchFamily="49" charset="0"/>
-              </a:rPr>
-              <a:t>half =</a:t>
-            </a:r>
-            <a:r>
-              <a:rPr lang="en-US" b="1" dirty="0">
-                <a:solidFill>
-                  <a:srgbClr val="0000FF"/>
-                </a:solidFill>
-                <a:latin typeface="Courier New" pitchFamily="49" charset="0"/>
-                <a:cs typeface="Courier New" pitchFamily="49" charset="0"/>
-              </a:rPr>
-              <a:t> </a:t>
-            </a:r>
-            <a:r>
-              <a:rPr lang="en-US" b="1" dirty="0">
-                <a:solidFill>
-                  <a:srgbClr val="C00000"/>
-                </a:solidFill>
-                <a:latin typeface="Courier New" pitchFamily="49" charset="0"/>
-                <a:cs typeface="Courier New" pitchFamily="49" charset="0"/>
-              </a:rPr>
-              <a:t>3</a:t>
-            </a:r>
-            <a:r>
-              <a:rPr lang="en-US" b="1" dirty="0">
-                <a:solidFill>
-                  <a:schemeClr val="tx1"/>
-                </a:solidFill>
-                <a:latin typeface="Courier New" pitchFamily="49" charset="0"/>
-                <a:cs typeface="Courier New" pitchFamily="49" charset="0"/>
-              </a:rPr>
-              <a:t>/</a:t>
-            </a:r>
-            <a:r>
-              <a:rPr lang="en-US" b="1" dirty="0">
-                <a:solidFill>
-                  <a:srgbClr val="C00000"/>
-                </a:solidFill>
-                <a:latin typeface="Courier New" pitchFamily="49" charset="0"/>
-                <a:cs typeface="Courier New" pitchFamily="49" charset="0"/>
-              </a:rPr>
-              <a:t>2.0</a:t>
-            </a:r>
-            <a:r>
-              <a:rPr lang="en-US" b="1" dirty="0">
-                <a:solidFill>
-                  <a:schemeClr val="tx1"/>
-                </a:solidFill>
-                <a:latin typeface="Courier New" pitchFamily="49" charset="0"/>
-                <a:cs typeface="Courier New" pitchFamily="49" charset="0"/>
-              </a:rPr>
-              <a:t>;</a:t>
-            </a:r>
-          </a:p>
-        </p:txBody>
-      </p:sp>
-      <p:sp>
-        <p:nvSpPr>
-          <p:cNvPr id="25" name="TextBox 24">
-            <a:extLst>
-              <a:ext uri="{FF2B5EF4-FFF2-40B4-BE49-F238E27FC236}">
-                <a16:creationId xmlns:a16="http://schemas.microsoft.com/office/drawing/2014/main" id="{548C2408-FEF5-6B41-AC1E-821AFC4D9357}"/>
-              </a:ext>
-            </a:extLst>
-          </p:cNvPr>
-          <p:cNvSpPr txBox="1"/>
-          <p:nvPr/>
-        </p:nvSpPr>
-        <p:spPr>
-          <a:xfrm>
-            <a:off x="5216790" y="5022355"/>
-            <a:ext cx="3730440" cy="646331"/>
+            <a:off x="6126166" y="5378452"/>
+            <a:ext cx="2560634" cy="646331"/>
           </a:xfrm>
           <a:prstGeom prst="rect">
             <a:avLst/>
@@ -8820,16 +7359,25 @@
           <a:lstStyle/>
           <a:p>
             <a:r>
-              <a:rPr lang="en-US" dirty="0"/>
-              <a:t>Avoid truncation by changing any of the operands to a real number.</a:t>
-            </a:r>
+              <a:rPr lang="en-GB" dirty="0">
+                <a:solidFill>
+                  <a:schemeClr val="tx1"/>
+                </a:solidFill>
+              </a:rPr>
+              <a:t>Do you know the meaning of each line?</a:t>
+            </a:r>
+            <a:endParaRPr lang="en-US" dirty="0">
+              <a:solidFill>
+                <a:schemeClr val="tx1"/>
+              </a:solidFill>
+            </a:endParaRPr>
           </a:p>
         </p:txBody>
       </p:sp>
     </p:spTree>
     <p:extLst>
       <p:ext uri="{BB962C8B-B14F-4D97-AF65-F5344CB8AC3E}">
-        <p14:creationId xmlns:p14="http://schemas.microsoft.com/office/powerpoint/2010/main" val="1492339910"/>
+        <p14:creationId xmlns:p14="http://schemas.microsoft.com/office/powerpoint/2010/main" val="3949125736"/>
       </p:ext>
     </p:extLst>
   </p:cSld>
@@ -8863,7 +7411,7 @@
                             </p:stCondLst>
                             <p:childTnLst>
                               <p:par>
-                                <p:cTn id="5" presetID="1" presetClass="entr" presetSubtype="0" fill="hold" grpId="0" nodeType="withEffect">
+                                <p:cTn id="5" presetID="9" presetClass="entr" presetSubtype="0" fill="hold" grpId="0" nodeType="withEffect">
                                   <p:stCondLst>
                                     <p:cond delay="0"/>
                                   </p:stCondLst>
@@ -8871,6 +7419,2295 @@
                                     <p:set>
                                       <p:cBhvr>
                                         <p:cTn id="6" dur="1" fill="hold">
+                                          <p:stCondLst>
+                                            <p:cond delay="0"/>
+                                          </p:stCondLst>
+                                        </p:cTn>
+                                        <p:tgtEl>
+                                          <p:spTgt spid="16"/>
+                                        </p:tgtEl>
+                                        <p:attrNameLst>
+                                          <p:attrName>style.visibility</p:attrName>
+                                        </p:attrNameLst>
+                                      </p:cBhvr>
+                                      <p:to>
+                                        <p:strVal val="visible"/>
+                                      </p:to>
+                                    </p:set>
+                                    <p:animEffect transition="in" filter="dissolve">
+                                      <p:cBhvr>
+                                        <p:cTn id="7" dur="500"/>
+                                        <p:tgtEl>
+                                          <p:spTgt spid="16"/>
+                                        </p:tgtEl>
+                                      </p:cBhvr>
+                                    </p:animEffect>
+                                  </p:childTnLst>
+                                </p:cTn>
+                              </p:par>
+                            </p:childTnLst>
+                          </p:cTn>
+                        </p:par>
+                      </p:childTnLst>
+                    </p:cTn>
+                  </p:par>
+                </p:childTnLst>
+              </p:cTn>
+              <p:prevCondLst>
+                <p:cond evt="onPrev" delay="0">
+                  <p:tgtEl>
+                    <p:sldTgt/>
+                  </p:tgtEl>
+                </p:cond>
+              </p:prevCondLst>
+              <p:nextCondLst>
+                <p:cond evt="onNext" delay="0">
+                  <p:tgtEl>
+                    <p:sldTgt/>
+                  </p:tgtEl>
+                </p:cond>
+              </p:nextCondLst>
+            </p:seq>
+          </p:childTnLst>
+        </p:cTn>
+      </p:par>
+    </p:tnLst>
+    <p:bldLst>
+      <p:bldP spid="16" grpId="0" animBg="1"/>
+    </p:bldLst>
+  </p:timing>
+</p:sld>
+</file>
+
+<file path=ppt/slides/slide3.xml><?xml version="1.0" encoding="utf-8"?>
+<p:sld xmlns:a="http://schemas.openxmlformats.org/drawingml/2006/main" xmlns:r="http://schemas.openxmlformats.org/officeDocument/2006/relationships" xmlns:p="http://schemas.openxmlformats.org/presentationml/2006/main">
+  <p:cSld>
+    <p:spTree>
+      <p:nvGrpSpPr>
+        <p:cNvPr id="1" name=""/>
+        <p:cNvGrpSpPr/>
+        <p:nvPr/>
+      </p:nvGrpSpPr>
+      <p:grpSpPr>
+        <a:xfrm>
+          <a:off x="0" y="0"/>
+          <a:ext cx="0" cy="0"/>
+          <a:chOff x="0" y="0"/>
+          <a:chExt cx="0" cy="0"/>
+        </a:xfrm>
+      </p:grpSpPr>
+      <p:sp>
+        <p:nvSpPr>
+          <p:cNvPr id="14338" name="Rectangle 2"/>
+          <p:cNvSpPr>
+            <a:spLocks noGrp="1" noChangeArrowheads="1"/>
+          </p:cNvSpPr>
+          <p:nvPr>
+            <p:ph type="title"/>
+          </p:nvPr>
+        </p:nvSpPr>
+        <p:spPr>
+          <a:xfrm>
+            <a:off x="533400" y="381000"/>
+            <a:ext cx="8382000" cy="838200"/>
+          </a:xfrm>
+        </p:spPr>
+        <p:txBody>
+          <a:bodyPr>
+            <a:normAutofit/>
+          </a:bodyPr>
+          <a:lstStyle/>
+          <a:p>
+            <a:r>
+              <a:rPr lang="en-GB" sz="3600" dirty="0">
+                <a:solidFill>
+                  <a:srgbClr val="0000FF"/>
+                </a:solidFill>
+              </a:rPr>
+              <a:t>A Sample C Program</a:t>
+            </a:r>
+          </a:p>
+        </p:txBody>
+      </p:sp>
+      <p:sp>
+        <p:nvSpPr>
+          <p:cNvPr id="7" name="Slide Number Placeholder 6"/>
+          <p:cNvSpPr>
+            <a:spLocks noGrp="1"/>
+          </p:cNvSpPr>
+          <p:nvPr>
+            <p:ph type="sldNum" sz="quarter" idx="12"/>
+          </p:nvPr>
+        </p:nvSpPr>
+        <p:spPr/>
+        <p:txBody>
+          <a:bodyPr>
+            <a:normAutofit/>
+          </a:bodyPr>
+          <a:lstStyle/>
+          <a:p>
+            <a:pPr>
+              <a:defRPr/>
+            </a:pPr>
+            <a:r>
+              <a:rPr lang="en-US" sz="1200" dirty="0"/>
+              <a:t>Week3</a:t>
+            </a:r>
+            <a:r>
+              <a:rPr sz="1200" dirty="0"/>
+              <a:t> - </a:t>
+            </a:r>
+            <a:fld id="{F7EC234A-9094-4BB8-9EA4-75ECDA8A365B}" type="slidenum">
+              <a:rPr sz="1200" smtClean="0"/>
+              <a:pPr>
+                <a:defRPr/>
+              </a:pPr>
+              <a:t>3</a:t>
+            </a:fld>
+            <a:endParaRPr sz="1200" dirty="0"/>
+          </a:p>
+        </p:txBody>
+      </p:sp>
+      <p:sp>
+        <p:nvSpPr>
+          <p:cNvPr id="12" name="[Date Placeholder 3]"/>
+          <p:cNvSpPr>
+            <a:spLocks noGrp="1"/>
+          </p:cNvSpPr>
+          <p:nvPr>
+            <p:ph type="dt" sz="half" idx="10"/>
+          </p:nvPr>
+        </p:nvSpPr>
+        <p:spPr>
+          <a:xfrm>
+            <a:off x="457200" y="18288"/>
+            <a:ext cx="2895600" cy="329184"/>
+          </a:xfrm>
+        </p:spPr>
+        <p:txBody>
+          <a:bodyPr/>
+          <a:lstStyle/>
+          <a:p>
+            <a:pPr>
+              <a:defRPr/>
+            </a:pPr>
+            <a:r>
+              <a:rPr lang="en-US" dirty="0"/>
+              <a:t>© NUS</a:t>
+            </a:r>
+          </a:p>
+        </p:txBody>
+      </p:sp>
+      <p:sp>
+        <p:nvSpPr>
+          <p:cNvPr id="8" name="Content Placeholder 5"/>
+          <p:cNvSpPr>
+            <a:spLocks noGrp="1"/>
+          </p:cNvSpPr>
+          <p:nvPr>
+            <p:ph idx="1"/>
+          </p:nvPr>
+        </p:nvSpPr>
+        <p:spPr>
+          <a:xfrm>
+            <a:off x="587375" y="1187451"/>
+            <a:ext cx="8229600" cy="3384550"/>
+          </a:xfrm>
+        </p:spPr>
+        <p:txBody>
+          <a:bodyPr/>
+          <a:lstStyle/>
+          <a:p>
+            <a:pPr marL="274320" lvl="1" indent="0">
+              <a:spcBef>
+                <a:spcPts val="600"/>
+              </a:spcBef>
+              <a:buClr>
+                <a:schemeClr val="tx1">
+                  <a:lumMod val="90000"/>
+                  <a:lumOff val="10000"/>
+                </a:schemeClr>
+              </a:buClr>
+              <a:buSzPct val="100000"/>
+              <a:buNone/>
+              <a:defRPr/>
+            </a:pPr>
+            <a:endParaRPr lang="en-US" dirty="0"/>
+          </a:p>
+          <a:p>
+            <a:pPr marL="621983" lvl="1" indent="-347663">
+              <a:spcBef>
+                <a:spcPts val="600"/>
+              </a:spcBef>
+              <a:buClr>
+                <a:schemeClr val="tx1">
+                  <a:lumMod val="90000"/>
+                  <a:lumOff val="10000"/>
+                </a:schemeClr>
+              </a:buClr>
+              <a:buSzPct val="100000"/>
+              <a:buFont typeface="Wingdings" panose="05000000000000000000" pitchFamily="2" charset="2"/>
+              <a:buChar char="§"/>
+              <a:defRPr/>
+            </a:pPr>
+            <a:endParaRPr lang="en-US" dirty="0"/>
+          </a:p>
+          <a:p>
+            <a:pPr marL="621983" lvl="1" indent="-347663">
+              <a:spcBef>
+                <a:spcPts val="600"/>
+              </a:spcBef>
+              <a:buClr>
+                <a:schemeClr val="tx1">
+                  <a:lumMod val="90000"/>
+                  <a:lumOff val="10000"/>
+                </a:schemeClr>
+              </a:buClr>
+              <a:buSzPct val="100000"/>
+              <a:buFont typeface="Wingdings" panose="05000000000000000000" pitchFamily="2" charset="2"/>
+              <a:buChar char="§"/>
+              <a:defRPr/>
+            </a:pPr>
+            <a:endParaRPr lang="en-US" dirty="0"/>
+          </a:p>
+          <a:p>
+            <a:pPr marL="621983" lvl="1" indent="-347663">
+              <a:spcBef>
+                <a:spcPts val="600"/>
+              </a:spcBef>
+              <a:buClr>
+                <a:schemeClr val="tx1">
+                  <a:lumMod val="90000"/>
+                  <a:lumOff val="10000"/>
+                </a:schemeClr>
+              </a:buClr>
+              <a:buSzPct val="100000"/>
+              <a:buFont typeface="Wingdings" panose="05000000000000000000" pitchFamily="2" charset="2"/>
+              <a:buChar char="§"/>
+              <a:defRPr/>
+            </a:pPr>
+            <a:endParaRPr lang="en-US" dirty="0"/>
+          </a:p>
+        </p:txBody>
+      </p:sp>
+      <p:sp>
+        <p:nvSpPr>
+          <p:cNvPr id="9" name="TextBox 8"/>
+          <p:cNvSpPr txBox="1"/>
+          <p:nvPr/>
+        </p:nvSpPr>
+        <p:spPr>
+          <a:xfrm>
+            <a:off x="702051" y="1279562"/>
+            <a:ext cx="8213349" cy="3139321"/>
+          </a:xfrm>
+          <a:prstGeom prst="rect">
+            <a:avLst/>
+          </a:prstGeom>
+          <a:solidFill>
+            <a:schemeClr val="bg1"/>
+          </a:solidFill>
+          <a:ln w="19050">
+            <a:solidFill>
+              <a:schemeClr val="accent1"/>
+            </a:solidFill>
+          </a:ln>
+        </p:spPr>
+        <p:style>
+          <a:lnRef idx="2">
+            <a:schemeClr val="accent6"/>
+          </a:lnRef>
+          <a:fillRef idx="1">
+            <a:schemeClr val="lt1"/>
+          </a:fillRef>
+          <a:effectRef idx="0">
+            <a:schemeClr val="accent6"/>
+          </a:effectRef>
+          <a:fontRef idx="minor">
+            <a:schemeClr val="dk1"/>
+          </a:fontRef>
+        </p:style>
+        <p:txBody>
+          <a:bodyPr wrap="square" lIns="91440" tIns="45720" rIns="91440" bIns="45720" rtlCol="0" anchor="t">
+            <a:spAutoFit/>
+          </a:bodyPr>
+          <a:lstStyle/>
+          <a:p>
+            <a:pPr>
+              <a:tabLst>
+                <a:tab pos="347663" algn="l"/>
+                <a:tab pos="682625" algn="l"/>
+                <a:tab pos="1087438" algn="l"/>
+                <a:tab pos="1377950" algn="l"/>
+                <a:tab pos="1712913" algn="l"/>
+              </a:tabLst>
+            </a:pPr>
+            <a:r>
+              <a:rPr lang="en-US" b="1" dirty="0">
+                <a:solidFill>
+                  <a:srgbClr val="006600"/>
+                </a:solidFill>
+                <a:latin typeface="Courier New" panose="02070309020205020404" pitchFamily="49" charset="0"/>
+                <a:cs typeface="Courier New" panose="02070309020205020404" pitchFamily="49" charset="0"/>
+              </a:rPr>
+              <a:t>…</a:t>
+            </a:r>
+            <a:endParaRPr lang="en-US" b="1" dirty="0">
+              <a:solidFill>
+                <a:schemeClr val="tx1"/>
+              </a:solidFill>
+              <a:latin typeface="Courier New" panose="02070309020205020404" pitchFamily="49" charset="0"/>
+              <a:cs typeface="Courier New" panose="02070309020205020404" pitchFamily="49" charset="0"/>
+            </a:endParaRPr>
+          </a:p>
+          <a:p>
+            <a:pPr>
+              <a:tabLst>
+                <a:tab pos="347663" algn="l"/>
+                <a:tab pos="682625" algn="l"/>
+                <a:tab pos="1087438" algn="l"/>
+                <a:tab pos="1377950" algn="l"/>
+                <a:tab pos="1712913" algn="l"/>
+              </a:tabLst>
+            </a:pPr>
+            <a:endParaRPr lang="en-US" b="1" dirty="0">
+              <a:solidFill>
+                <a:schemeClr val="tx1"/>
+              </a:solidFill>
+              <a:latin typeface="Courier New" panose="02070309020205020404" pitchFamily="49" charset="0"/>
+              <a:cs typeface="Courier New" panose="02070309020205020404" pitchFamily="49" charset="0"/>
+            </a:endParaRPr>
+          </a:p>
+          <a:p>
+            <a:pPr>
+              <a:tabLst>
+                <a:tab pos="347663" algn="l"/>
+                <a:tab pos="682625" algn="l"/>
+                <a:tab pos="1087438" algn="l"/>
+                <a:tab pos="1377950" algn="l"/>
+                <a:tab pos="1712913" algn="l"/>
+              </a:tabLst>
+            </a:pPr>
+            <a:r>
+              <a:rPr lang="en-SG" b="1" dirty="0">
+                <a:solidFill>
+                  <a:srgbClr val="0000FF"/>
+                </a:solidFill>
+                <a:latin typeface="Courier New" panose="02070309020205020404" pitchFamily="49" charset="0"/>
+                <a:cs typeface="Courier New" panose="02070309020205020404" pitchFamily="49" charset="0"/>
+              </a:rPr>
+              <a:t>long</a:t>
+            </a:r>
+            <a:r>
+              <a:rPr lang="en-SG" b="1" dirty="0">
+                <a:latin typeface="Courier New" panose="02070309020205020404" pitchFamily="49" charset="0"/>
+                <a:cs typeface="Courier New" panose="02070309020205020404" pitchFamily="49" charset="0"/>
+              </a:rPr>
+              <a:t> square(</a:t>
+            </a:r>
+            <a:r>
+              <a:rPr lang="en-SG" b="1" dirty="0">
+                <a:solidFill>
+                  <a:srgbClr val="0000FF"/>
+                </a:solidFill>
+                <a:latin typeface="Courier New" panose="02070309020205020404" pitchFamily="49" charset="0"/>
+                <a:cs typeface="Courier New" panose="02070309020205020404" pitchFamily="49" charset="0"/>
+              </a:rPr>
+              <a:t>long</a:t>
+            </a:r>
+            <a:r>
+              <a:rPr lang="en-SG" b="1" dirty="0">
+                <a:latin typeface="Courier New" panose="02070309020205020404" pitchFamily="49" charset="0"/>
+                <a:cs typeface="Courier New" panose="02070309020205020404" pitchFamily="49" charset="0"/>
+              </a:rPr>
+              <a:t> x) </a:t>
+            </a:r>
+          </a:p>
+          <a:p>
+            <a:pPr>
+              <a:tabLst>
+                <a:tab pos="347663" algn="l"/>
+                <a:tab pos="682625" algn="l"/>
+                <a:tab pos="1087438" algn="l"/>
+                <a:tab pos="1377950" algn="l"/>
+                <a:tab pos="1712913" algn="l"/>
+              </a:tabLst>
+            </a:pPr>
+            <a:r>
+              <a:rPr lang="en-SG" b="1" dirty="0">
+                <a:latin typeface="Courier New" panose="02070309020205020404" pitchFamily="49" charset="0"/>
+                <a:cs typeface="Courier New" panose="02070309020205020404" pitchFamily="49" charset="0"/>
+              </a:rPr>
+              <a:t>{ </a:t>
+            </a:r>
+          </a:p>
+          <a:p>
+            <a:pPr>
+              <a:tabLst>
+                <a:tab pos="347663" algn="l"/>
+                <a:tab pos="682625" algn="l"/>
+                <a:tab pos="1087438" algn="l"/>
+                <a:tab pos="1377950" algn="l"/>
+                <a:tab pos="1712913" algn="l"/>
+              </a:tabLst>
+            </a:pPr>
+            <a:r>
+              <a:rPr lang="en-SG" b="1" dirty="0">
+                <a:latin typeface="Courier New" panose="02070309020205020404" pitchFamily="49" charset="0"/>
+                <a:cs typeface="Courier New" panose="02070309020205020404" pitchFamily="49" charset="0"/>
+              </a:rPr>
+              <a:t>    </a:t>
+            </a:r>
+            <a:r>
+              <a:rPr lang="en-SG" b="1" dirty="0">
+                <a:solidFill>
+                  <a:srgbClr val="0000FF"/>
+                </a:solidFill>
+                <a:latin typeface="Courier New" panose="02070309020205020404" pitchFamily="49" charset="0"/>
+                <a:cs typeface="Courier New" panose="02070309020205020404" pitchFamily="49" charset="0"/>
+              </a:rPr>
+              <a:t>return</a:t>
+            </a:r>
+            <a:r>
+              <a:rPr lang="en-SG" b="1" dirty="0">
+                <a:latin typeface="Courier New" panose="02070309020205020404" pitchFamily="49" charset="0"/>
+                <a:cs typeface="Courier New" panose="02070309020205020404" pitchFamily="49" charset="0"/>
+              </a:rPr>
+              <a:t> x * x; </a:t>
+            </a:r>
+          </a:p>
+          <a:p>
+            <a:pPr>
+              <a:tabLst>
+                <a:tab pos="347663" algn="l"/>
+                <a:tab pos="682625" algn="l"/>
+                <a:tab pos="1087438" algn="l"/>
+                <a:tab pos="1377950" algn="l"/>
+                <a:tab pos="1712913" algn="l"/>
+              </a:tabLst>
+            </a:pPr>
+            <a:r>
+              <a:rPr lang="en-SG" b="1" dirty="0">
+                <a:latin typeface="Courier New" panose="02070309020205020404" pitchFamily="49" charset="0"/>
+                <a:cs typeface="Courier New" panose="02070309020205020404" pitchFamily="49" charset="0"/>
+              </a:rPr>
+              <a:t>} </a:t>
+            </a:r>
+          </a:p>
+          <a:p>
+            <a:pPr>
+              <a:tabLst>
+                <a:tab pos="347663" algn="l"/>
+                <a:tab pos="682625" algn="l"/>
+                <a:tab pos="1087438" algn="l"/>
+                <a:tab pos="1377950" algn="l"/>
+                <a:tab pos="1712913" algn="l"/>
+              </a:tabLst>
+            </a:pPr>
+            <a:endParaRPr lang="en-SG" b="1" dirty="0">
+              <a:latin typeface="Courier New" panose="02070309020205020404" pitchFamily="49" charset="0"/>
+              <a:cs typeface="Courier New" panose="02070309020205020404" pitchFamily="49" charset="0"/>
+            </a:endParaRPr>
+          </a:p>
+          <a:p>
+            <a:pPr>
+              <a:tabLst>
+                <a:tab pos="347663" algn="l"/>
+                <a:tab pos="682625" algn="l"/>
+                <a:tab pos="1087438" algn="l"/>
+                <a:tab pos="1377950" algn="l"/>
+                <a:tab pos="1712913" algn="l"/>
+              </a:tabLst>
+            </a:pPr>
+            <a:r>
+              <a:rPr lang="en-SG" b="1" dirty="0">
+                <a:solidFill>
+                  <a:srgbClr val="0000FF"/>
+                </a:solidFill>
+                <a:latin typeface="Courier New" panose="02070309020205020404" pitchFamily="49" charset="0"/>
+                <a:cs typeface="Courier New" panose="02070309020205020404" pitchFamily="49" charset="0"/>
+              </a:rPr>
+              <a:t>double</a:t>
+            </a:r>
+            <a:r>
+              <a:rPr lang="en-SG" b="1" dirty="0">
+                <a:latin typeface="Courier New" panose="02070309020205020404" pitchFamily="49" charset="0"/>
+                <a:cs typeface="Courier New" panose="02070309020205020404" pitchFamily="49" charset="0"/>
+              </a:rPr>
+              <a:t> </a:t>
+            </a:r>
+            <a:r>
+              <a:rPr lang="en-SG" b="1" dirty="0" err="1">
+                <a:latin typeface="Courier New" panose="02070309020205020404" pitchFamily="49" charset="0"/>
+                <a:cs typeface="Courier New" panose="02070309020205020404" pitchFamily="49" charset="0"/>
+              </a:rPr>
+              <a:t>hypotenuse_of</a:t>
+            </a:r>
+            <a:r>
+              <a:rPr lang="en-SG" b="1" dirty="0">
+                <a:latin typeface="Courier New" panose="02070309020205020404" pitchFamily="49" charset="0"/>
+                <a:cs typeface="Courier New" panose="02070309020205020404" pitchFamily="49" charset="0"/>
+              </a:rPr>
+              <a:t>(</a:t>
+            </a:r>
+            <a:r>
+              <a:rPr lang="en-SG" b="1" dirty="0">
+                <a:solidFill>
+                  <a:srgbClr val="0000FF"/>
+                </a:solidFill>
+                <a:latin typeface="Courier New" panose="02070309020205020404" pitchFamily="49" charset="0"/>
+                <a:cs typeface="Courier New" panose="02070309020205020404" pitchFamily="49" charset="0"/>
+              </a:rPr>
+              <a:t>long</a:t>
+            </a:r>
+            <a:r>
+              <a:rPr lang="en-SG" b="1" dirty="0">
+                <a:latin typeface="Courier New" panose="02070309020205020404" pitchFamily="49" charset="0"/>
+                <a:cs typeface="Courier New" panose="02070309020205020404" pitchFamily="49" charset="0"/>
+              </a:rPr>
+              <a:t> base, </a:t>
+            </a:r>
+            <a:r>
+              <a:rPr lang="en-SG" b="1" dirty="0">
+                <a:solidFill>
+                  <a:srgbClr val="0000FF"/>
+                </a:solidFill>
+                <a:latin typeface="Courier New" panose="02070309020205020404" pitchFamily="49" charset="0"/>
+                <a:cs typeface="Courier New" panose="02070309020205020404" pitchFamily="49" charset="0"/>
+              </a:rPr>
+              <a:t>long</a:t>
+            </a:r>
+            <a:r>
+              <a:rPr lang="en-SG" b="1" dirty="0">
+                <a:latin typeface="Courier New" panose="02070309020205020404" pitchFamily="49" charset="0"/>
+                <a:cs typeface="Courier New" panose="02070309020205020404" pitchFamily="49" charset="0"/>
+              </a:rPr>
+              <a:t> height) </a:t>
+            </a:r>
+          </a:p>
+          <a:p>
+            <a:pPr>
+              <a:tabLst>
+                <a:tab pos="347663" algn="l"/>
+                <a:tab pos="682625" algn="l"/>
+                <a:tab pos="1087438" algn="l"/>
+                <a:tab pos="1377950" algn="l"/>
+                <a:tab pos="1712913" algn="l"/>
+              </a:tabLst>
+            </a:pPr>
+            <a:r>
+              <a:rPr lang="en-SG" b="1" dirty="0">
+                <a:latin typeface="Courier New" panose="02070309020205020404" pitchFamily="49" charset="0"/>
+                <a:cs typeface="Courier New" panose="02070309020205020404" pitchFamily="49" charset="0"/>
+              </a:rPr>
+              <a:t>{ </a:t>
+            </a:r>
+          </a:p>
+          <a:p>
+            <a:pPr>
+              <a:tabLst>
+                <a:tab pos="347663" algn="l"/>
+                <a:tab pos="682625" algn="l"/>
+                <a:tab pos="1087438" algn="l"/>
+                <a:tab pos="1377950" algn="l"/>
+                <a:tab pos="1712913" algn="l"/>
+              </a:tabLst>
+            </a:pPr>
+            <a:r>
+              <a:rPr lang="en-SG" b="1" dirty="0">
+                <a:latin typeface="Courier New" panose="02070309020205020404" pitchFamily="49" charset="0"/>
+                <a:cs typeface="Courier New" panose="02070309020205020404" pitchFamily="49" charset="0"/>
+              </a:rPr>
+              <a:t>    </a:t>
+            </a:r>
+            <a:r>
+              <a:rPr lang="en-SG" b="1" dirty="0">
+                <a:solidFill>
+                  <a:srgbClr val="0000FF"/>
+                </a:solidFill>
+                <a:latin typeface="Courier New" panose="02070309020205020404" pitchFamily="49" charset="0"/>
+                <a:cs typeface="Courier New" panose="02070309020205020404" pitchFamily="49" charset="0"/>
+              </a:rPr>
+              <a:t>return</a:t>
+            </a:r>
+            <a:r>
+              <a:rPr lang="en-SG" b="1" dirty="0">
+                <a:latin typeface="Courier New" panose="02070309020205020404" pitchFamily="49" charset="0"/>
+                <a:cs typeface="Courier New" panose="02070309020205020404" pitchFamily="49" charset="0"/>
+              </a:rPr>
+              <a:t> sqrt(square(base) + square(height));</a:t>
+            </a:r>
+          </a:p>
+          <a:p>
+            <a:pPr>
+              <a:tabLst>
+                <a:tab pos="347663" algn="l"/>
+                <a:tab pos="682625" algn="l"/>
+                <a:tab pos="1087438" algn="l"/>
+                <a:tab pos="1377950" algn="l"/>
+                <a:tab pos="1712913" algn="l"/>
+              </a:tabLst>
+            </a:pPr>
+            <a:r>
+              <a:rPr lang="en-SG" b="1" dirty="0">
+                <a:latin typeface="Courier New" panose="02070309020205020404" pitchFamily="49" charset="0"/>
+                <a:cs typeface="Courier New" panose="02070309020205020404" pitchFamily="49" charset="0"/>
+              </a:rPr>
+              <a:t>}</a:t>
+            </a:r>
+            <a:endParaRPr lang="en-US" b="1" dirty="0">
+              <a:solidFill>
+                <a:schemeClr val="tx1"/>
+              </a:solidFill>
+              <a:latin typeface="Courier New" panose="02070309020205020404" pitchFamily="49" charset="0"/>
+              <a:cs typeface="Courier New" panose="02070309020205020404" pitchFamily="49" charset="0"/>
+            </a:endParaRPr>
+          </a:p>
+        </p:txBody>
+      </p:sp>
+      <p:sp>
+        <p:nvSpPr>
+          <p:cNvPr id="10" name="TextBox 9">
+            <a:extLst>
+              <a:ext uri="{FF2B5EF4-FFF2-40B4-BE49-F238E27FC236}">
+                <a16:creationId xmlns:a16="http://schemas.microsoft.com/office/drawing/2014/main" id="{1850E95F-4DF3-444D-BDF1-AF8F205268DD}"/>
+              </a:ext>
+            </a:extLst>
+          </p:cNvPr>
+          <p:cNvSpPr txBox="1"/>
+          <p:nvPr/>
+        </p:nvSpPr>
+        <p:spPr>
+          <a:xfrm>
+            <a:off x="256235" y="1560915"/>
+            <a:ext cx="693336" cy="2862322"/>
+          </a:xfrm>
+          <a:prstGeom prst="rect">
+            <a:avLst/>
+          </a:prstGeom>
+          <a:noFill/>
+        </p:spPr>
+        <p:txBody>
+          <a:bodyPr wrap="square" rtlCol="0">
+            <a:spAutoFit/>
+          </a:bodyPr>
+          <a:lstStyle/>
+          <a:p>
+            <a:r>
+              <a:rPr lang="en-US" b="1" dirty="0">
+                <a:latin typeface="Courier New" panose="02070309020205020404" pitchFamily="49" charset="0"/>
+                <a:cs typeface="Courier New" panose="02070309020205020404" pitchFamily="49" charset="0"/>
+              </a:rPr>
+              <a:t>17</a:t>
+            </a:r>
+          </a:p>
+          <a:p>
+            <a:r>
+              <a:rPr lang="en-US" b="1" dirty="0">
+                <a:latin typeface="Courier New" panose="02070309020205020404" pitchFamily="49" charset="0"/>
+                <a:cs typeface="Courier New" panose="02070309020205020404" pitchFamily="49" charset="0"/>
+              </a:rPr>
+              <a:t>18</a:t>
+            </a:r>
+          </a:p>
+          <a:p>
+            <a:r>
+              <a:rPr lang="en-US" b="1" dirty="0">
+                <a:latin typeface="Courier New" panose="02070309020205020404" pitchFamily="49" charset="0"/>
+                <a:cs typeface="Courier New" panose="02070309020205020404" pitchFamily="49" charset="0"/>
+              </a:rPr>
+              <a:t>19</a:t>
+            </a:r>
+          </a:p>
+          <a:p>
+            <a:r>
+              <a:rPr lang="en-US" b="1" dirty="0">
+                <a:latin typeface="Courier New" panose="02070309020205020404" pitchFamily="49" charset="0"/>
+                <a:cs typeface="Courier New" panose="02070309020205020404" pitchFamily="49" charset="0"/>
+              </a:rPr>
+              <a:t>20</a:t>
+            </a:r>
+          </a:p>
+          <a:p>
+            <a:r>
+              <a:rPr lang="en-US" b="1" dirty="0">
+                <a:latin typeface="Courier New" panose="02070309020205020404" pitchFamily="49" charset="0"/>
+                <a:cs typeface="Courier New" panose="02070309020205020404" pitchFamily="49" charset="0"/>
+              </a:rPr>
+              <a:t>21</a:t>
+            </a:r>
+          </a:p>
+          <a:p>
+            <a:r>
+              <a:rPr lang="en-US" b="1" dirty="0">
+                <a:latin typeface="Courier New" panose="02070309020205020404" pitchFamily="49" charset="0"/>
+                <a:cs typeface="Courier New" panose="02070309020205020404" pitchFamily="49" charset="0"/>
+              </a:rPr>
+              <a:t>22</a:t>
+            </a:r>
+          </a:p>
+          <a:p>
+            <a:r>
+              <a:rPr lang="en-US" b="1" dirty="0">
+                <a:latin typeface="Courier New" panose="02070309020205020404" pitchFamily="49" charset="0"/>
+                <a:cs typeface="Courier New" panose="02070309020205020404" pitchFamily="49" charset="0"/>
+              </a:rPr>
+              <a:t>23</a:t>
+            </a:r>
+          </a:p>
+          <a:p>
+            <a:r>
+              <a:rPr lang="en-US" b="1" dirty="0">
+                <a:latin typeface="Courier New" panose="02070309020205020404" pitchFamily="49" charset="0"/>
+                <a:cs typeface="Courier New" panose="02070309020205020404" pitchFamily="49" charset="0"/>
+              </a:rPr>
+              <a:t>24</a:t>
+            </a:r>
+          </a:p>
+          <a:p>
+            <a:r>
+              <a:rPr lang="en-US" b="1" dirty="0">
+                <a:latin typeface="Courier New" panose="02070309020205020404" pitchFamily="49" charset="0"/>
+                <a:cs typeface="Courier New" panose="02070309020205020404" pitchFamily="49" charset="0"/>
+              </a:rPr>
+              <a:t>25</a:t>
+            </a:r>
+          </a:p>
+          <a:p>
+            <a:r>
+              <a:rPr lang="en-US" b="1" dirty="0">
+                <a:latin typeface="Courier New" panose="02070309020205020404" pitchFamily="49" charset="0"/>
+                <a:cs typeface="Courier New" panose="02070309020205020404" pitchFamily="49" charset="0"/>
+              </a:rPr>
+              <a:t>26</a:t>
+            </a:r>
+          </a:p>
+        </p:txBody>
+      </p:sp>
+      <p:sp>
+        <p:nvSpPr>
+          <p:cNvPr id="11" name="TextBox 10">
+            <a:extLst>
+              <a:ext uri="{FF2B5EF4-FFF2-40B4-BE49-F238E27FC236}">
+                <a16:creationId xmlns:a16="http://schemas.microsoft.com/office/drawing/2014/main" id="{FB719B92-E5DB-4E33-81E1-762B2CA2533B}"/>
+              </a:ext>
+            </a:extLst>
+          </p:cNvPr>
+          <p:cNvSpPr txBox="1"/>
+          <p:nvPr/>
+        </p:nvSpPr>
+        <p:spPr>
+          <a:xfrm>
+            <a:off x="6126166" y="5378452"/>
+            <a:ext cx="2560634" cy="646331"/>
+          </a:xfrm>
+          <a:prstGeom prst="rect">
+            <a:avLst/>
+          </a:prstGeom>
+          <a:solidFill>
+            <a:srgbClr val="FFFF99"/>
+          </a:solidFill>
+          <a:ln w="12700"/>
+        </p:spPr>
+        <p:style>
+          <a:lnRef idx="2">
+            <a:schemeClr val="accent4"/>
+          </a:lnRef>
+          <a:fillRef idx="1">
+            <a:schemeClr val="lt1"/>
+          </a:fillRef>
+          <a:effectRef idx="0">
+            <a:schemeClr val="accent4"/>
+          </a:effectRef>
+          <a:fontRef idx="minor">
+            <a:schemeClr val="dk1"/>
+          </a:fontRef>
+        </p:style>
+        <p:txBody>
+          <a:bodyPr wrap="square" rtlCol="0">
+            <a:spAutoFit/>
+          </a:bodyPr>
+          <a:lstStyle/>
+          <a:p>
+            <a:r>
+              <a:rPr lang="en-GB" dirty="0">
+                <a:solidFill>
+                  <a:schemeClr val="tx1"/>
+                </a:solidFill>
+              </a:rPr>
+              <a:t>Do you know the meaning of each line?</a:t>
+            </a:r>
+            <a:endParaRPr lang="en-US" dirty="0">
+              <a:solidFill>
+                <a:schemeClr val="tx1"/>
+              </a:solidFill>
+            </a:endParaRPr>
+          </a:p>
+        </p:txBody>
+      </p:sp>
+    </p:spTree>
+    <p:extLst>
+      <p:ext uri="{BB962C8B-B14F-4D97-AF65-F5344CB8AC3E}">
+        <p14:creationId xmlns:p14="http://schemas.microsoft.com/office/powerpoint/2010/main" val="2939077141"/>
+      </p:ext>
+    </p:extLst>
+  </p:cSld>
+  <p:clrMapOvr>
+    <a:masterClrMapping/>
+  </p:clrMapOvr>
+  <p:transition>
+    <p:fade/>
+  </p:transition>
+  <p:timing>
+    <p:tnLst>
+      <p:par>
+        <p:cTn id="1" dur="indefinite" restart="never" nodeType="tmRoot">
+          <p:childTnLst>
+            <p:seq concurrent="1" nextAc="seek">
+              <p:cTn id="2" dur="indefinite" nodeType="mainSeq">
+                <p:childTnLst>
+                  <p:par>
+                    <p:cTn id="3" fill="hold">
+                      <p:stCondLst>
+                        <p:cond delay="indefinite"/>
+                        <p:cond evt="onBegin" delay="0">
+                          <p:tn val="2"/>
+                        </p:cond>
+                      </p:stCondLst>
+                      <p:childTnLst>
+                        <p:par>
+                          <p:cTn id="4" fill="hold">
+                            <p:stCondLst>
+                              <p:cond delay="0"/>
+                            </p:stCondLst>
+                            <p:childTnLst>
+                              <p:par>
+                                <p:cTn id="5" presetID="9" presetClass="entr" presetSubtype="0" fill="hold" grpId="0" nodeType="withEffect">
+                                  <p:stCondLst>
+                                    <p:cond delay="0"/>
+                                  </p:stCondLst>
+                                  <p:childTnLst>
+                                    <p:set>
+                                      <p:cBhvr>
+                                        <p:cTn id="6" dur="1" fill="hold">
+                                          <p:stCondLst>
+                                            <p:cond delay="0"/>
+                                          </p:stCondLst>
+                                        </p:cTn>
+                                        <p:tgtEl>
+                                          <p:spTgt spid="11"/>
+                                        </p:tgtEl>
+                                        <p:attrNameLst>
+                                          <p:attrName>style.visibility</p:attrName>
+                                        </p:attrNameLst>
+                                      </p:cBhvr>
+                                      <p:to>
+                                        <p:strVal val="visible"/>
+                                      </p:to>
+                                    </p:set>
+                                    <p:animEffect transition="in" filter="dissolve">
+                                      <p:cBhvr>
+                                        <p:cTn id="7" dur="500"/>
+                                        <p:tgtEl>
+                                          <p:spTgt spid="11"/>
+                                        </p:tgtEl>
+                                      </p:cBhvr>
+                                    </p:animEffect>
+                                  </p:childTnLst>
+                                </p:cTn>
+                              </p:par>
+                            </p:childTnLst>
+                          </p:cTn>
+                        </p:par>
+                      </p:childTnLst>
+                    </p:cTn>
+                  </p:par>
+                </p:childTnLst>
+              </p:cTn>
+              <p:prevCondLst>
+                <p:cond evt="onPrev" delay="0">
+                  <p:tgtEl>
+                    <p:sldTgt/>
+                  </p:tgtEl>
+                </p:cond>
+              </p:prevCondLst>
+              <p:nextCondLst>
+                <p:cond evt="onNext" delay="0">
+                  <p:tgtEl>
+                    <p:sldTgt/>
+                  </p:tgtEl>
+                </p:cond>
+              </p:nextCondLst>
+            </p:seq>
+          </p:childTnLst>
+        </p:cTn>
+      </p:par>
+    </p:tnLst>
+    <p:bldLst>
+      <p:bldP spid="11" grpId="0" animBg="1"/>
+    </p:bldLst>
+  </p:timing>
+</p:sld>
+</file>
+
+<file path=ppt/slides/slide4.xml><?xml version="1.0" encoding="utf-8"?>
+<p:sld xmlns:a="http://schemas.openxmlformats.org/drawingml/2006/main" xmlns:r="http://schemas.openxmlformats.org/officeDocument/2006/relationships" xmlns:p="http://schemas.openxmlformats.org/presentationml/2006/main">
+  <p:cSld>
+    <p:spTree>
+      <p:nvGrpSpPr>
+        <p:cNvPr id="1" name=""/>
+        <p:cNvGrpSpPr/>
+        <p:nvPr/>
+      </p:nvGrpSpPr>
+      <p:grpSpPr>
+        <a:xfrm>
+          <a:off x="0" y="0"/>
+          <a:ext cx="0" cy="0"/>
+          <a:chOff x="0" y="0"/>
+          <a:chExt cx="0" cy="0"/>
+        </a:xfrm>
+      </p:grpSpPr>
+      <p:sp>
+        <p:nvSpPr>
+          <p:cNvPr id="25602" name="[Rectangle 2]"/>
+          <p:cNvSpPr>
+            <a:spLocks noGrp="1" noChangeArrowheads="1"/>
+          </p:cNvSpPr>
+          <p:nvPr>
+            <p:ph type="title"/>
+          </p:nvPr>
+        </p:nvSpPr>
+        <p:spPr>
+          <a:xfrm>
+            <a:off x="533400" y="457200"/>
+            <a:ext cx="8153400" cy="685800"/>
+          </a:xfrm>
+        </p:spPr>
+        <p:txBody>
+          <a:bodyPr>
+            <a:normAutofit fontScale="90000"/>
+          </a:bodyPr>
+          <a:lstStyle/>
+          <a:p>
+            <a:pPr eaLnBrk="1" hangingPunct="1"/>
+            <a:r>
+              <a:rPr lang="en-GB" sz="4000" dirty="0">
+                <a:solidFill>
+                  <a:srgbClr val="FF0000"/>
+                </a:solidFill>
+              </a:rPr>
+              <a:t>Extremely</a:t>
+            </a:r>
+            <a:r>
+              <a:rPr lang="en-GB" sz="4000" dirty="0">
+                <a:solidFill>
+                  <a:srgbClr val="0000FF"/>
+                </a:solidFill>
+              </a:rPr>
+              <a:t> Common Mistakes</a:t>
+            </a:r>
+            <a:endParaRPr lang="en-GB" dirty="0">
+              <a:solidFill>
+                <a:srgbClr val="0000FF"/>
+              </a:solidFill>
+            </a:endParaRPr>
+          </a:p>
+        </p:txBody>
+      </p:sp>
+      <p:sp>
+        <p:nvSpPr>
+          <p:cNvPr id="9" name="Slide Number Placeholder 8"/>
+          <p:cNvSpPr>
+            <a:spLocks noGrp="1"/>
+          </p:cNvSpPr>
+          <p:nvPr>
+            <p:ph type="sldNum" sz="quarter" idx="12"/>
+          </p:nvPr>
+        </p:nvSpPr>
+        <p:spPr/>
+        <p:txBody>
+          <a:bodyPr>
+            <a:normAutofit/>
+          </a:bodyPr>
+          <a:lstStyle/>
+          <a:p>
+            <a:pPr>
+              <a:defRPr/>
+            </a:pPr>
+            <a:r>
+              <a:rPr lang="en-US" dirty="0"/>
+              <a:t>Week3</a:t>
+            </a:r>
+            <a:r>
+              <a:rPr dirty="0"/>
+              <a:t> - </a:t>
+            </a:r>
+            <a:fld id="{24D17162-63A3-49DC-92B1-933428BCC85F}" type="slidenum">
+              <a:rPr smtClean="0"/>
+              <a:pPr>
+                <a:defRPr/>
+              </a:pPr>
+              <a:t>4</a:t>
+            </a:fld>
+            <a:endParaRPr dirty="0"/>
+          </a:p>
+        </p:txBody>
+      </p:sp>
+      <p:sp>
+        <p:nvSpPr>
+          <p:cNvPr id="14" name="[Date Placeholder 3]"/>
+          <p:cNvSpPr>
+            <a:spLocks noGrp="1"/>
+          </p:cNvSpPr>
+          <p:nvPr>
+            <p:ph type="dt" sz="half" idx="10"/>
+          </p:nvPr>
+        </p:nvSpPr>
+        <p:spPr>
+          <a:xfrm>
+            <a:off x="457200" y="18288"/>
+            <a:ext cx="2895600" cy="329184"/>
+          </a:xfrm>
+        </p:spPr>
+        <p:txBody>
+          <a:bodyPr/>
+          <a:lstStyle/>
+          <a:p>
+            <a:pPr>
+              <a:defRPr/>
+            </a:pPr>
+            <a:r>
+              <a:rPr lang="en-US" dirty="0"/>
+              <a:t>© NUS</a:t>
+            </a:r>
+          </a:p>
+        </p:txBody>
+      </p:sp>
+      <p:sp>
+        <p:nvSpPr>
+          <p:cNvPr id="7" name="Content Placeholder 5"/>
+          <p:cNvSpPr>
+            <a:spLocks noGrp="1"/>
+          </p:cNvSpPr>
+          <p:nvPr>
+            <p:ph idx="1"/>
+          </p:nvPr>
+        </p:nvSpPr>
+        <p:spPr>
+          <a:xfrm>
+            <a:off x="587375" y="1208691"/>
+            <a:ext cx="8229600" cy="1000970"/>
+          </a:xfrm>
+        </p:spPr>
+        <p:txBody>
+          <a:bodyPr>
+            <a:noAutofit/>
+          </a:bodyPr>
+          <a:lstStyle/>
+          <a:p>
+            <a:pPr marL="352425" indent="-352425" eaLnBrk="1" hangingPunct="1">
+              <a:buClr>
+                <a:schemeClr val="tx1">
+                  <a:lumMod val="90000"/>
+                  <a:lumOff val="10000"/>
+                </a:schemeClr>
+              </a:buClr>
+              <a:buSzPct val="100000"/>
+              <a:buFont typeface="Wingdings" panose="05000000000000000000" pitchFamily="2" charset="2"/>
+              <a:buChar char="§"/>
+              <a:defRPr/>
+            </a:pPr>
+            <a:r>
+              <a:rPr lang="en-US" dirty="0"/>
+              <a:t>Uninitialized variables</a:t>
+            </a:r>
+          </a:p>
+          <a:p>
+            <a:pPr marL="352425" indent="-352425" eaLnBrk="1" hangingPunct="1">
+              <a:buClr>
+                <a:schemeClr val="tx1">
+                  <a:lumMod val="90000"/>
+                  <a:lumOff val="10000"/>
+                </a:schemeClr>
+              </a:buClr>
+              <a:buSzPct val="100000"/>
+              <a:buFont typeface="Wingdings" panose="05000000000000000000" pitchFamily="2" charset="2"/>
+              <a:buChar char="§"/>
+              <a:defRPr/>
+            </a:pPr>
+            <a:endParaRPr lang="en-US" dirty="0"/>
+          </a:p>
+          <a:p>
+            <a:pPr marL="352425" indent="-352425" eaLnBrk="1" hangingPunct="1">
+              <a:buClr>
+                <a:schemeClr val="tx1">
+                  <a:lumMod val="90000"/>
+                  <a:lumOff val="10000"/>
+                </a:schemeClr>
+              </a:buClr>
+              <a:buSzPct val="100000"/>
+              <a:buFont typeface="Wingdings" panose="05000000000000000000" pitchFamily="2" charset="2"/>
+              <a:buChar char="§"/>
+              <a:defRPr/>
+            </a:pPr>
+            <a:endParaRPr lang="en-US" dirty="0"/>
+          </a:p>
+          <a:p>
+            <a:pPr marL="352425" indent="-352425" eaLnBrk="1" hangingPunct="1">
+              <a:buClr>
+                <a:schemeClr val="tx1">
+                  <a:lumMod val="90000"/>
+                  <a:lumOff val="10000"/>
+                </a:schemeClr>
+              </a:buClr>
+              <a:buSzPct val="100000"/>
+              <a:buFont typeface="Wingdings" panose="05000000000000000000" pitchFamily="2" charset="2"/>
+              <a:buChar char="§"/>
+              <a:defRPr/>
+            </a:pPr>
+            <a:endParaRPr lang="en-US" dirty="0"/>
+          </a:p>
+          <a:p>
+            <a:pPr marL="352425" indent="-352425" eaLnBrk="1" hangingPunct="1">
+              <a:buClr>
+                <a:schemeClr val="tx1">
+                  <a:lumMod val="90000"/>
+                  <a:lumOff val="10000"/>
+                </a:schemeClr>
+              </a:buClr>
+              <a:buSzPct val="100000"/>
+              <a:buFont typeface="Wingdings" panose="05000000000000000000" pitchFamily="2" charset="2"/>
+              <a:buChar char="§"/>
+              <a:defRPr/>
+            </a:pPr>
+            <a:endParaRPr lang="en-US" dirty="0"/>
+          </a:p>
+          <a:p>
+            <a:pPr marL="352425" indent="-352425" eaLnBrk="1" hangingPunct="1">
+              <a:buClr>
+                <a:schemeClr val="tx1">
+                  <a:lumMod val="90000"/>
+                  <a:lumOff val="10000"/>
+                </a:schemeClr>
+              </a:buClr>
+              <a:buSzPct val="100000"/>
+              <a:buFont typeface="Wingdings" panose="05000000000000000000" pitchFamily="2" charset="2"/>
+              <a:buChar char="§"/>
+              <a:defRPr/>
+            </a:pPr>
+            <a:endParaRPr lang="en-US" dirty="0"/>
+          </a:p>
+          <a:p>
+            <a:pPr marL="352425" indent="-352425" eaLnBrk="1" hangingPunct="1">
+              <a:buClr>
+                <a:schemeClr val="tx1">
+                  <a:lumMod val="90000"/>
+                  <a:lumOff val="10000"/>
+                </a:schemeClr>
+              </a:buClr>
+              <a:buSzPct val="100000"/>
+              <a:buFont typeface="Wingdings" panose="05000000000000000000" pitchFamily="2" charset="2"/>
+              <a:buChar char="§"/>
+              <a:defRPr/>
+            </a:pPr>
+            <a:endParaRPr lang="en-US" dirty="0"/>
+          </a:p>
+          <a:p>
+            <a:pPr marL="352425" indent="-352425">
+              <a:buClr>
+                <a:schemeClr val="tx1">
+                  <a:lumMod val="90000"/>
+                  <a:lumOff val="10000"/>
+                </a:schemeClr>
+              </a:buClr>
+              <a:buSzPct val="100000"/>
+              <a:buFont typeface="Wingdings" panose="05000000000000000000" pitchFamily="2" charset="2"/>
+              <a:buChar char="§"/>
+              <a:defRPr/>
+            </a:pPr>
+            <a:r>
+              <a:rPr lang="en-US" dirty="0"/>
+              <a:t>Unintended integer division</a:t>
+            </a:r>
+          </a:p>
+          <a:p>
+            <a:pPr marL="352425" indent="-352425" eaLnBrk="1" hangingPunct="1">
+              <a:buClr>
+                <a:schemeClr val="tx1">
+                  <a:lumMod val="90000"/>
+                  <a:lumOff val="10000"/>
+                </a:schemeClr>
+              </a:buClr>
+              <a:buSzPct val="100000"/>
+              <a:buFont typeface="Wingdings" panose="05000000000000000000" pitchFamily="2" charset="2"/>
+              <a:buChar char="§"/>
+              <a:defRPr/>
+            </a:pPr>
+            <a:endParaRPr lang="en-US" dirty="0"/>
+          </a:p>
+          <a:p>
+            <a:pPr marL="352425" indent="-352425" eaLnBrk="1" hangingPunct="1">
+              <a:buClr>
+                <a:schemeClr val="tx1">
+                  <a:lumMod val="90000"/>
+                  <a:lumOff val="10000"/>
+                </a:schemeClr>
+              </a:buClr>
+              <a:buSzPct val="100000"/>
+              <a:buFont typeface="Wingdings" panose="05000000000000000000" pitchFamily="2" charset="2"/>
+              <a:buChar char="§"/>
+              <a:defRPr/>
+            </a:pPr>
+            <a:endParaRPr lang="en-US" dirty="0"/>
+          </a:p>
+          <a:p>
+            <a:pPr marL="352425" indent="-352425" eaLnBrk="1" hangingPunct="1">
+              <a:buClr>
+                <a:schemeClr val="tx1">
+                  <a:lumMod val="90000"/>
+                  <a:lumOff val="10000"/>
+                </a:schemeClr>
+              </a:buClr>
+              <a:buSzPct val="100000"/>
+              <a:buFont typeface="Wingdings" panose="05000000000000000000" pitchFamily="2" charset="2"/>
+              <a:buChar char="§"/>
+              <a:defRPr/>
+            </a:pPr>
+            <a:endParaRPr lang="en-US" dirty="0"/>
+          </a:p>
+          <a:p>
+            <a:pPr marL="352425" indent="-352425" eaLnBrk="1" hangingPunct="1">
+              <a:buClr>
+                <a:schemeClr val="tx1">
+                  <a:lumMod val="90000"/>
+                  <a:lumOff val="10000"/>
+                </a:schemeClr>
+              </a:buClr>
+              <a:buSzPct val="100000"/>
+              <a:buFont typeface="Wingdings" panose="05000000000000000000" pitchFamily="2" charset="2"/>
+              <a:buChar char="§"/>
+              <a:defRPr/>
+            </a:pPr>
+            <a:endParaRPr lang="en-US" dirty="0"/>
+          </a:p>
+          <a:p>
+            <a:pPr marL="352425" indent="-352425" eaLnBrk="1" hangingPunct="1">
+              <a:buClr>
+                <a:schemeClr val="tx1">
+                  <a:lumMod val="90000"/>
+                  <a:lumOff val="10000"/>
+                </a:schemeClr>
+              </a:buClr>
+              <a:buSzPct val="100000"/>
+              <a:buFont typeface="Wingdings" panose="05000000000000000000" pitchFamily="2" charset="2"/>
+              <a:buChar char="§"/>
+              <a:defRPr/>
+            </a:pPr>
+            <a:endParaRPr lang="en-US" dirty="0"/>
+          </a:p>
+        </p:txBody>
+      </p:sp>
+      <p:sp>
+        <p:nvSpPr>
+          <p:cNvPr id="8" name="TextBox 7"/>
+          <p:cNvSpPr txBox="1"/>
+          <p:nvPr/>
+        </p:nvSpPr>
+        <p:spPr>
+          <a:xfrm>
+            <a:off x="665075" y="1785294"/>
+            <a:ext cx="1647497" cy="646331"/>
+          </a:xfrm>
+          <a:prstGeom prst="rect">
+            <a:avLst/>
+          </a:prstGeom>
+          <a:noFill/>
+        </p:spPr>
+        <p:style>
+          <a:lnRef idx="2">
+            <a:schemeClr val="accent5"/>
+          </a:lnRef>
+          <a:fillRef idx="1">
+            <a:schemeClr val="lt1"/>
+          </a:fillRef>
+          <a:effectRef idx="0">
+            <a:schemeClr val="accent5"/>
+          </a:effectRef>
+          <a:fontRef idx="minor">
+            <a:schemeClr val="dk1"/>
+          </a:fontRef>
+        </p:style>
+        <p:txBody>
+          <a:bodyPr wrap="square" rtlCol="0">
+            <a:spAutoFit/>
+          </a:bodyPr>
+          <a:lstStyle/>
+          <a:p>
+            <a:r>
+              <a:rPr lang="en-US" b="1" dirty="0">
+                <a:solidFill>
+                  <a:srgbClr val="0000FF"/>
+                </a:solidFill>
+                <a:latin typeface="Courier New" pitchFamily="49" charset="0"/>
+                <a:cs typeface="Courier New" pitchFamily="49" charset="0"/>
+              </a:rPr>
+              <a:t>long</a:t>
+            </a:r>
+            <a:r>
+              <a:rPr lang="en-US" b="1" dirty="0">
+                <a:latin typeface="Courier New" pitchFamily="49" charset="0"/>
+                <a:cs typeface="Courier New" pitchFamily="49" charset="0"/>
+              </a:rPr>
+              <a:t> a, b;</a:t>
+            </a:r>
+          </a:p>
+          <a:p>
+            <a:r>
+              <a:rPr lang="en-US" b="1" dirty="0">
+                <a:latin typeface="Courier New" pitchFamily="49" charset="0"/>
+                <a:cs typeface="Courier New" pitchFamily="49" charset="0"/>
+              </a:rPr>
+              <a:t>a = b + </a:t>
+            </a:r>
+            <a:r>
+              <a:rPr lang="en-US" b="1" dirty="0">
+                <a:solidFill>
+                  <a:srgbClr val="C00000"/>
+                </a:solidFill>
+                <a:latin typeface="Courier New" pitchFamily="49" charset="0"/>
+                <a:cs typeface="Courier New" pitchFamily="49" charset="0"/>
+              </a:rPr>
+              <a:t>3</a:t>
+            </a:r>
+            <a:r>
+              <a:rPr lang="en-US" b="1" dirty="0">
+                <a:latin typeface="Courier New" pitchFamily="49" charset="0"/>
+                <a:cs typeface="Courier New" pitchFamily="49" charset="0"/>
+              </a:rPr>
+              <a:t>;</a:t>
+            </a:r>
+            <a:endParaRPr lang="en-US" b="1" dirty="0">
+              <a:solidFill>
+                <a:srgbClr val="800000"/>
+              </a:solidFill>
+              <a:latin typeface="Courier New" pitchFamily="49" charset="0"/>
+              <a:cs typeface="Courier New" pitchFamily="49" charset="0"/>
+            </a:endParaRPr>
+          </a:p>
+        </p:txBody>
+      </p:sp>
+      <p:sp>
+        <p:nvSpPr>
+          <p:cNvPr id="16" name="TextBox 15"/>
+          <p:cNvSpPr txBox="1"/>
+          <p:nvPr/>
+        </p:nvSpPr>
+        <p:spPr>
+          <a:xfrm>
+            <a:off x="5794200" y="1807871"/>
+            <a:ext cx="2514227" cy="646331"/>
+          </a:xfrm>
+          <a:prstGeom prst="rect">
+            <a:avLst/>
+          </a:prstGeom>
+          <a:solidFill>
+            <a:srgbClr val="CCFFFF"/>
+          </a:solidFill>
+          <a:ln w="12700"/>
+        </p:spPr>
+        <p:style>
+          <a:lnRef idx="2">
+            <a:schemeClr val="accent4"/>
+          </a:lnRef>
+          <a:fillRef idx="1">
+            <a:schemeClr val="lt1"/>
+          </a:fillRef>
+          <a:effectRef idx="0">
+            <a:schemeClr val="accent4"/>
+          </a:effectRef>
+          <a:fontRef idx="minor">
+            <a:schemeClr val="dk1"/>
+          </a:fontRef>
+        </p:style>
+        <p:txBody>
+          <a:bodyPr wrap="square" rtlCol="0">
+            <a:spAutoFit/>
+          </a:bodyPr>
+          <a:lstStyle/>
+          <a:p>
+            <a:r>
+              <a:rPr lang="en-US" u="sng" dirty="0"/>
+              <a:t>Cannot</a:t>
+            </a:r>
+            <a:r>
+              <a:rPr lang="en-US" dirty="0"/>
+              <a:t> assume the initial value!</a:t>
+            </a:r>
+          </a:p>
+        </p:txBody>
+      </p:sp>
+      <p:sp>
+        <p:nvSpPr>
+          <p:cNvPr id="17" name="TextBox 16">
+            <a:extLst>
+              <a:ext uri="{FF2B5EF4-FFF2-40B4-BE49-F238E27FC236}">
+                <a16:creationId xmlns:a16="http://schemas.microsoft.com/office/drawing/2014/main" id="{99B30EFD-AC62-A84C-B568-481368C993F1}"/>
+              </a:ext>
+            </a:extLst>
+          </p:cNvPr>
+          <p:cNvSpPr txBox="1"/>
+          <p:nvPr/>
+        </p:nvSpPr>
+        <p:spPr>
+          <a:xfrm>
+            <a:off x="2454501" y="1789144"/>
+            <a:ext cx="3117068" cy="646331"/>
+          </a:xfrm>
+          <a:prstGeom prst="rect">
+            <a:avLst/>
+          </a:prstGeom>
+          <a:noFill/>
+        </p:spPr>
+        <p:style>
+          <a:lnRef idx="2">
+            <a:schemeClr val="accent5"/>
+          </a:lnRef>
+          <a:fillRef idx="1">
+            <a:schemeClr val="lt1"/>
+          </a:fillRef>
+          <a:effectRef idx="0">
+            <a:schemeClr val="accent5"/>
+          </a:effectRef>
+          <a:fontRef idx="minor">
+            <a:schemeClr val="dk1"/>
+          </a:fontRef>
+        </p:style>
+        <p:txBody>
+          <a:bodyPr wrap="square" rtlCol="0">
+            <a:spAutoFit/>
+          </a:bodyPr>
+          <a:lstStyle/>
+          <a:p>
+            <a:r>
+              <a:rPr lang="en-US" b="1" dirty="0">
+                <a:solidFill>
+                  <a:srgbClr val="0000FF"/>
+                </a:solidFill>
+                <a:latin typeface="Courier New" pitchFamily="49" charset="0"/>
+                <a:cs typeface="Courier New" pitchFamily="49" charset="0"/>
+              </a:rPr>
+              <a:t>long</a:t>
+            </a:r>
+            <a:r>
+              <a:rPr lang="en-US" b="1" dirty="0">
+                <a:latin typeface="Courier New" pitchFamily="49" charset="0"/>
+                <a:cs typeface="Courier New" pitchFamily="49" charset="0"/>
+              </a:rPr>
+              <a:t> x;</a:t>
+            </a:r>
+          </a:p>
+          <a:p>
+            <a:r>
+              <a:rPr lang="en-US" b="1" dirty="0">
+                <a:latin typeface="Courier New" pitchFamily="49" charset="0"/>
+                <a:cs typeface="Courier New" pitchFamily="49" charset="0"/>
+              </a:rPr>
+              <a:t>CS1010_print_long(x); </a:t>
+            </a:r>
+            <a:endParaRPr lang="en-US" b="1" dirty="0">
+              <a:solidFill>
+                <a:srgbClr val="800000"/>
+              </a:solidFill>
+              <a:latin typeface="Courier New" pitchFamily="49" charset="0"/>
+              <a:cs typeface="Courier New" pitchFamily="49" charset="0"/>
+            </a:endParaRPr>
+          </a:p>
+        </p:txBody>
+      </p:sp>
+      <p:sp>
+        <p:nvSpPr>
+          <p:cNvPr id="21" name="TextBox 20">
+            <a:extLst>
+              <a:ext uri="{FF2B5EF4-FFF2-40B4-BE49-F238E27FC236}">
+                <a16:creationId xmlns:a16="http://schemas.microsoft.com/office/drawing/2014/main" id="{92689133-78A2-474B-8354-D57F493DCCB4}"/>
+              </a:ext>
+            </a:extLst>
+          </p:cNvPr>
+          <p:cNvSpPr txBox="1"/>
+          <p:nvPr/>
+        </p:nvSpPr>
+        <p:spPr>
+          <a:xfrm>
+            <a:off x="997893" y="4812594"/>
+            <a:ext cx="2854927" cy="369332"/>
+          </a:xfrm>
+          <a:prstGeom prst="rect">
+            <a:avLst/>
+          </a:prstGeom>
+          <a:noFill/>
+        </p:spPr>
+        <p:style>
+          <a:lnRef idx="2">
+            <a:schemeClr val="accent5"/>
+          </a:lnRef>
+          <a:fillRef idx="1">
+            <a:schemeClr val="lt1"/>
+          </a:fillRef>
+          <a:effectRef idx="0">
+            <a:schemeClr val="accent5"/>
+          </a:effectRef>
+          <a:fontRef idx="minor">
+            <a:schemeClr val="dk1"/>
+          </a:fontRef>
+        </p:style>
+        <p:txBody>
+          <a:bodyPr wrap="square" rtlCol="0">
+            <a:spAutoFit/>
+          </a:bodyPr>
+          <a:lstStyle/>
+          <a:p>
+            <a:r>
+              <a:rPr lang="en-US" b="1" dirty="0">
+                <a:solidFill>
+                  <a:srgbClr val="0000FF"/>
+                </a:solidFill>
+                <a:latin typeface="Courier New" pitchFamily="49" charset="0"/>
+                <a:cs typeface="Courier New" pitchFamily="49" charset="0"/>
+              </a:rPr>
+              <a:t>double </a:t>
+            </a:r>
+            <a:r>
+              <a:rPr lang="en-US" b="1" dirty="0">
+                <a:solidFill>
+                  <a:schemeClr val="tx1"/>
+                </a:solidFill>
+                <a:latin typeface="Courier New" pitchFamily="49" charset="0"/>
+                <a:cs typeface="Courier New" pitchFamily="49" charset="0"/>
+              </a:rPr>
+              <a:t>half =</a:t>
+            </a:r>
+            <a:r>
+              <a:rPr lang="en-US" b="1" dirty="0">
+                <a:solidFill>
+                  <a:srgbClr val="0000FF"/>
+                </a:solidFill>
+                <a:latin typeface="Courier New" pitchFamily="49" charset="0"/>
+                <a:cs typeface="Courier New" pitchFamily="49" charset="0"/>
+              </a:rPr>
+              <a:t> </a:t>
+            </a:r>
+            <a:r>
+              <a:rPr lang="en-US" b="1" dirty="0">
+                <a:solidFill>
+                  <a:srgbClr val="C00000"/>
+                </a:solidFill>
+                <a:latin typeface="Courier New" pitchFamily="49" charset="0"/>
+                <a:cs typeface="Courier New" pitchFamily="49" charset="0"/>
+              </a:rPr>
+              <a:t>3</a:t>
+            </a:r>
+            <a:r>
+              <a:rPr lang="en-US" b="1" dirty="0">
+                <a:solidFill>
+                  <a:schemeClr val="tx1"/>
+                </a:solidFill>
+                <a:latin typeface="Courier New" pitchFamily="49" charset="0"/>
+                <a:cs typeface="Courier New" pitchFamily="49" charset="0"/>
+              </a:rPr>
+              <a:t>/</a:t>
+            </a:r>
+            <a:r>
+              <a:rPr lang="en-US" b="1" dirty="0">
+                <a:solidFill>
+                  <a:srgbClr val="C00000"/>
+                </a:solidFill>
+                <a:latin typeface="Courier New" pitchFamily="49" charset="0"/>
+                <a:cs typeface="Courier New" pitchFamily="49" charset="0"/>
+              </a:rPr>
+              <a:t>2</a:t>
+            </a:r>
+            <a:r>
+              <a:rPr lang="en-US" b="1" dirty="0">
+                <a:solidFill>
+                  <a:schemeClr val="tx1"/>
+                </a:solidFill>
+                <a:latin typeface="Courier New" pitchFamily="49" charset="0"/>
+                <a:cs typeface="Courier New" pitchFamily="49" charset="0"/>
+              </a:rPr>
+              <a:t>;</a:t>
+            </a:r>
+          </a:p>
+        </p:txBody>
+      </p:sp>
+      <p:sp>
+        <p:nvSpPr>
+          <p:cNvPr id="22" name="TextBox 21">
+            <a:extLst>
+              <a:ext uri="{FF2B5EF4-FFF2-40B4-BE49-F238E27FC236}">
+                <a16:creationId xmlns:a16="http://schemas.microsoft.com/office/drawing/2014/main" id="{7399F68A-414A-A748-8512-49F618250290}"/>
+              </a:ext>
+            </a:extLst>
+          </p:cNvPr>
+          <p:cNvSpPr txBox="1"/>
+          <p:nvPr/>
+        </p:nvSpPr>
+        <p:spPr>
+          <a:xfrm>
+            <a:off x="5267907" y="4769734"/>
+            <a:ext cx="1273176" cy="646331"/>
+          </a:xfrm>
+          <a:prstGeom prst="rect">
+            <a:avLst/>
+          </a:prstGeom>
+          <a:solidFill>
+            <a:srgbClr val="CCFFFF"/>
+          </a:solidFill>
+          <a:ln w="12700"/>
+        </p:spPr>
+        <p:style>
+          <a:lnRef idx="2">
+            <a:schemeClr val="accent4"/>
+          </a:lnRef>
+          <a:fillRef idx="1">
+            <a:schemeClr val="lt1"/>
+          </a:fillRef>
+          <a:effectRef idx="0">
+            <a:schemeClr val="accent4"/>
+          </a:effectRef>
+          <a:fontRef idx="minor">
+            <a:schemeClr val="dk1"/>
+          </a:fontRef>
+        </p:style>
+        <p:txBody>
+          <a:bodyPr wrap="square" rtlCol="0">
+            <a:spAutoFit/>
+          </a:bodyPr>
+          <a:lstStyle/>
+          <a:p>
+            <a:r>
+              <a:rPr lang="en-US" dirty="0"/>
+              <a:t>Truncation occurs!</a:t>
+            </a:r>
+          </a:p>
+        </p:txBody>
+      </p:sp>
+      <p:sp>
+        <p:nvSpPr>
+          <p:cNvPr id="23" name="TextBox 22">
+            <a:extLst>
+              <a:ext uri="{FF2B5EF4-FFF2-40B4-BE49-F238E27FC236}">
+                <a16:creationId xmlns:a16="http://schemas.microsoft.com/office/drawing/2014/main" id="{81265B68-2B22-9A4C-BCC7-9470D59EACF7}"/>
+              </a:ext>
+            </a:extLst>
+          </p:cNvPr>
+          <p:cNvSpPr txBox="1"/>
+          <p:nvPr/>
+        </p:nvSpPr>
+        <p:spPr>
+          <a:xfrm>
+            <a:off x="997892" y="6124915"/>
+            <a:ext cx="3787040" cy="369332"/>
+          </a:xfrm>
+          <a:prstGeom prst="rect">
+            <a:avLst/>
+          </a:prstGeom>
+          <a:noFill/>
+        </p:spPr>
+        <p:style>
+          <a:lnRef idx="2">
+            <a:schemeClr val="accent5"/>
+          </a:lnRef>
+          <a:fillRef idx="1">
+            <a:schemeClr val="lt1"/>
+          </a:fillRef>
+          <a:effectRef idx="0">
+            <a:schemeClr val="accent5"/>
+          </a:effectRef>
+          <a:fontRef idx="minor">
+            <a:schemeClr val="dk1"/>
+          </a:fontRef>
+        </p:style>
+        <p:txBody>
+          <a:bodyPr wrap="square" rtlCol="0">
+            <a:spAutoFit/>
+          </a:bodyPr>
+          <a:lstStyle/>
+          <a:p>
+            <a:r>
+              <a:rPr lang="en-US" b="1" dirty="0">
+                <a:solidFill>
+                  <a:srgbClr val="0000FF"/>
+                </a:solidFill>
+                <a:latin typeface="Courier New" pitchFamily="49" charset="0"/>
+                <a:cs typeface="Courier New" pitchFamily="49" charset="0"/>
+              </a:rPr>
+              <a:t>double </a:t>
+            </a:r>
+            <a:r>
+              <a:rPr lang="en-US" b="1" dirty="0">
+                <a:solidFill>
+                  <a:schemeClr val="tx1"/>
+                </a:solidFill>
+                <a:latin typeface="Courier New" pitchFamily="49" charset="0"/>
+                <a:cs typeface="Courier New" pitchFamily="49" charset="0"/>
+              </a:rPr>
+              <a:t>half =</a:t>
+            </a:r>
+            <a:r>
+              <a:rPr lang="en-US" b="1" dirty="0">
+                <a:solidFill>
+                  <a:srgbClr val="0000FF"/>
+                </a:solidFill>
+                <a:latin typeface="Courier New" pitchFamily="49" charset="0"/>
+                <a:cs typeface="Courier New" pitchFamily="49" charset="0"/>
+              </a:rPr>
+              <a:t> </a:t>
+            </a:r>
+            <a:r>
+              <a:rPr lang="en-US" b="1" dirty="0">
+                <a:solidFill>
+                  <a:srgbClr val="C00000"/>
+                </a:solidFill>
+                <a:latin typeface="Courier New" pitchFamily="49" charset="0"/>
+                <a:cs typeface="Courier New" pitchFamily="49" charset="0"/>
+              </a:rPr>
+              <a:t>3</a:t>
+            </a:r>
+            <a:r>
+              <a:rPr lang="en-US" b="1" dirty="0">
+                <a:solidFill>
+                  <a:schemeClr val="tx1"/>
+                </a:solidFill>
+                <a:latin typeface="Courier New" pitchFamily="49" charset="0"/>
+                <a:cs typeface="Courier New" pitchFamily="49" charset="0"/>
+              </a:rPr>
+              <a:t>/(</a:t>
+            </a:r>
+            <a:r>
+              <a:rPr lang="en-US" b="1" dirty="0">
+                <a:solidFill>
+                  <a:srgbClr val="0000FF"/>
+                </a:solidFill>
+                <a:latin typeface="Courier New" pitchFamily="49" charset="0"/>
+                <a:cs typeface="Courier New" pitchFamily="49" charset="0"/>
+              </a:rPr>
+              <a:t>double</a:t>
+            </a:r>
+            <a:r>
+              <a:rPr lang="en-US" b="1" dirty="0">
+                <a:solidFill>
+                  <a:schemeClr val="tx1"/>
+                </a:solidFill>
+                <a:latin typeface="Courier New" pitchFamily="49" charset="0"/>
+                <a:cs typeface="Courier New" pitchFamily="49" charset="0"/>
+              </a:rPr>
+              <a:t>)</a:t>
+            </a:r>
+            <a:r>
+              <a:rPr lang="en-US" b="1" dirty="0">
+                <a:solidFill>
+                  <a:srgbClr val="C00000"/>
+                </a:solidFill>
+                <a:latin typeface="Courier New" pitchFamily="49" charset="0"/>
+                <a:cs typeface="Courier New" pitchFamily="49" charset="0"/>
+              </a:rPr>
+              <a:t>2</a:t>
+            </a:r>
+            <a:r>
+              <a:rPr lang="en-US" b="1" dirty="0">
+                <a:solidFill>
+                  <a:schemeClr val="tx1"/>
+                </a:solidFill>
+                <a:latin typeface="Courier New" pitchFamily="49" charset="0"/>
+                <a:cs typeface="Courier New" pitchFamily="49" charset="0"/>
+              </a:rPr>
+              <a:t>;</a:t>
+            </a:r>
+          </a:p>
+        </p:txBody>
+      </p:sp>
+      <p:sp>
+        <p:nvSpPr>
+          <p:cNvPr id="24" name="TextBox 23">
+            <a:extLst>
+              <a:ext uri="{FF2B5EF4-FFF2-40B4-BE49-F238E27FC236}">
+                <a16:creationId xmlns:a16="http://schemas.microsoft.com/office/drawing/2014/main" id="{62E951F5-1D1F-1E41-B308-90593A513B26}"/>
+              </a:ext>
+            </a:extLst>
+          </p:cNvPr>
+          <p:cNvSpPr txBox="1"/>
+          <p:nvPr/>
+        </p:nvSpPr>
+        <p:spPr>
+          <a:xfrm>
+            <a:off x="997892" y="5685827"/>
+            <a:ext cx="2965238" cy="369332"/>
+          </a:xfrm>
+          <a:prstGeom prst="rect">
+            <a:avLst/>
+          </a:prstGeom>
+          <a:noFill/>
+        </p:spPr>
+        <p:style>
+          <a:lnRef idx="2">
+            <a:schemeClr val="accent5"/>
+          </a:lnRef>
+          <a:fillRef idx="1">
+            <a:schemeClr val="lt1"/>
+          </a:fillRef>
+          <a:effectRef idx="0">
+            <a:schemeClr val="accent5"/>
+          </a:effectRef>
+          <a:fontRef idx="minor">
+            <a:schemeClr val="dk1"/>
+          </a:fontRef>
+        </p:style>
+        <p:txBody>
+          <a:bodyPr wrap="square" rtlCol="0">
+            <a:spAutoFit/>
+          </a:bodyPr>
+          <a:lstStyle/>
+          <a:p>
+            <a:r>
+              <a:rPr lang="en-US" b="1" dirty="0">
+                <a:solidFill>
+                  <a:srgbClr val="0000FF"/>
+                </a:solidFill>
+                <a:latin typeface="Courier New" pitchFamily="49" charset="0"/>
+                <a:cs typeface="Courier New" pitchFamily="49" charset="0"/>
+              </a:rPr>
+              <a:t>double </a:t>
+            </a:r>
+            <a:r>
+              <a:rPr lang="en-US" b="1" dirty="0">
+                <a:solidFill>
+                  <a:schemeClr val="tx1"/>
+                </a:solidFill>
+                <a:latin typeface="Courier New" pitchFamily="49" charset="0"/>
+                <a:cs typeface="Courier New" pitchFamily="49" charset="0"/>
+              </a:rPr>
+              <a:t>half =</a:t>
+            </a:r>
+            <a:r>
+              <a:rPr lang="en-US" b="1" dirty="0">
+                <a:solidFill>
+                  <a:srgbClr val="0000FF"/>
+                </a:solidFill>
+                <a:latin typeface="Courier New" pitchFamily="49" charset="0"/>
+                <a:cs typeface="Courier New" pitchFamily="49" charset="0"/>
+              </a:rPr>
+              <a:t> </a:t>
+            </a:r>
+            <a:r>
+              <a:rPr lang="en-US" b="1" dirty="0">
+                <a:solidFill>
+                  <a:srgbClr val="C00000"/>
+                </a:solidFill>
+                <a:latin typeface="Courier New" pitchFamily="49" charset="0"/>
+                <a:cs typeface="Courier New" pitchFamily="49" charset="0"/>
+              </a:rPr>
+              <a:t>3</a:t>
+            </a:r>
+            <a:r>
+              <a:rPr lang="en-US" b="1" dirty="0">
+                <a:solidFill>
+                  <a:schemeClr val="tx1"/>
+                </a:solidFill>
+                <a:latin typeface="Courier New" pitchFamily="49" charset="0"/>
+                <a:cs typeface="Courier New" pitchFamily="49" charset="0"/>
+              </a:rPr>
+              <a:t>/</a:t>
+            </a:r>
+            <a:r>
+              <a:rPr lang="en-US" b="1" dirty="0">
+                <a:solidFill>
+                  <a:srgbClr val="C00000"/>
+                </a:solidFill>
+                <a:latin typeface="Courier New" pitchFamily="49" charset="0"/>
+                <a:cs typeface="Courier New" pitchFamily="49" charset="0"/>
+              </a:rPr>
+              <a:t>2.0</a:t>
+            </a:r>
+            <a:r>
+              <a:rPr lang="en-US" b="1" dirty="0">
+                <a:solidFill>
+                  <a:schemeClr val="tx1"/>
+                </a:solidFill>
+                <a:latin typeface="Courier New" pitchFamily="49" charset="0"/>
+                <a:cs typeface="Courier New" pitchFamily="49" charset="0"/>
+              </a:rPr>
+              <a:t>;</a:t>
+            </a:r>
+          </a:p>
+        </p:txBody>
+      </p:sp>
+      <p:sp>
+        <p:nvSpPr>
+          <p:cNvPr id="25" name="TextBox 24">
+            <a:extLst>
+              <a:ext uri="{FF2B5EF4-FFF2-40B4-BE49-F238E27FC236}">
+                <a16:creationId xmlns:a16="http://schemas.microsoft.com/office/drawing/2014/main" id="{548C2408-FEF5-6B41-AC1E-821AFC4D9357}"/>
+              </a:ext>
+            </a:extLst>
+          </p:cNvPr>
+          <p:cNvSpPr txBox="1"/>
+          <p:nvPr/>
+        </p:nvSpPr>
+        <p:spPr>
+          <a:xfrm>
+            <a:off x="5216790" y="5708151"/>
+            <a:ext cx="3730440" cy="646331"/>
+          </a:xfrm>
+          <a:prstGeom prst="rect">
+            <a:avLst/>
+          </a:prstGeom>
+          <a:solidFill>
+            <a:srgbClr val="FFFF99"/>
+          </a:solidFill>
+          <a:ln w="12700"/>
+        </p:spPr>
+        <p:style>
+          <a:lnRef idx="2">
+            <a:schemeClr val="accent4"/>
+          </a:lnRef>
+          <a:fillRef idx="1">
+            <a:schemeClr val="lt1"/>
+          </a:fillRef>
+          <a:effectRef idx="0">
+            <a:schemeClr val="accent4"/>
+          </a:effectRef>
+          <a:fontRef idx="minor">
+            <a:schemeClr val="dk1"/>
+          </a:fontRef>
+        </p:style>
+        <p:txBody>
+          <a:bodyPr wrap="square" rtlCol="0">
+            <a:spAutoFit/>
+          </a:bodyPr>
+          <a:lstStyle/>
+          <a:p>
+            <a:r>
+              <a:rPr lang="en-US" dirty="0"/>
+              <a:t>Avoid truncation by changing any of the operands to a real number.</a:t>
+            </a:r>
+          </a:p>
+        </p:txBody>
+      </p:sp>
+      <p:sp>
+        <p:nvSpPr>
+          <p:cNvPr id="15" name="TextBox 14">
+            <a:extLst>
+              <a:ext uri="{FF2B5EF4-FFF2-40B4-BE49-F238E27FC236}">
+                <a16:creationId xmlns:a16="http://schemas.microsoft.com/office/drawing/2014/main" id="{EF068EB3-E205-45DE-A7D8-9A6147D0E720}"/>
+              </a:ext>
+            </a:extLst>
+          </p:cNvPr>
+          <p:cNvSpPr txBox="1"/>
+          <p:nvPr/>
+        </p:nvSpPr>
+        <p:spPr>
+          <a:xfrm>
+            <a:off x="5763719" y="3393680"/>
+            <a:ext cx="3053256" cy="646331"/>
+          </a:xfrm>
+          <a:prstGeom prst="rect">
+            <a:avLst/>
+          </a:prstGeom>
+          <a:solidFill>
+            <a:srgbClr val="FFFF99"/>
+          </a:solidFill>
+          <a:ln w="12700"/>
+        </p:spPr>
+        <p:style>
+          <a:lnRef idx="2">
+            <a:schemeClr val="accent4"/>
+          </a:lnRef>
+          <a:fillRef idx="1">
+            <a:schemeClr val="lt1"/>
+          </a:fillRef>
+          <a:effectRef idx="0">
+            <a:schemeClr val="accent4"/>
+          </a:effectRef>
+          <a:fontRef idx="minor">
+            <a:schemeClr val="dk1"/>
+          </a:fontRef>
+        </p:style>
+        <p:txBody>
+          <a:bodyPr wrap="square" rtlCol="0">
+            <a:spAutoFit/>
+          </a:bodyPr>
+          <a:lstStyle/>
+          <a:p>
+            <a:r>
+              <a:rPr lang="en-US" dirty="0"/>
+              <a:t>Initialize a variable using assignments / function calls.</a:t>
+            </a:r>
+          </a:p>
+        </p:txBody>
+      </p:sp>
+      <p:sp>
+        <p:nvSpPr>
+          <p:cNvPr id="18" name="TextBox 17">
+            <a:extLst>
+              <a:ext uri="{FF2B5EF4-FFF2-40B4-BE49-F238E27FC236}">
+                <a16:creationId xmlns:a16="http://schemas.microsoft.com/office/drawing/2014/main" id="{DFBD7EDF-947D-4A88-A70E-312D20612313}"/>
+              </a:ext>
+            </a:extLst>
+          </p:cNvPr>
+          <p:cNvSpPr txBox="1"/>
+          <p:nvPr/>
+        </p:nvSpPr>
+        <p:spPr>
+          <a:xfrm>
+            <a:off x="665075" y="2591237"/>
+            <a:ext cx="2100755" cy="646331"/>
+          </a:xfrm>
+          <a:prstGeom prst="rect">
+            <a:avLst/>
+          </a:prstGeom>
+          <a:noFill/>
+        </p:spPr>
+        <p:style>
+          <a:lnRef idx="2">
+            <a:schemeClr val="accent5"/>
+          </a:lnRef>
+          <a:fillRef idx="1">
+            <a:schemeClr val="lt1"/>
+          </a:fillRef>
+          <a:effectRef idx="0">
+            <a:schemeClr val="accent5"/>
+          </a:effectRef>
+          <a:fontRef idx="minor">
+            <a:schemeClr val="dk1"/>
+          </a:fontRef>
+        </p:style>
+        <p:txBody>
+          <a:bodyPr wrap="square" rtlCol="0">
+            <a:spAutoFit/>
+          </a:bodyPr>
+          <a:lstStyle/>
+          <a:p>
+            <a:r>
+              <a:rPr lang="en-US" b="1" dirty="0">
+                <a:solidFill>
+                  <a:srgbClr val="0000FF"/>
+                </a:solidFill>
+                <a:latin typeface="Courier New" pitchFamily="49" charset="0"/>
+                <a:cs typeface="Courier New" pitchFamily="49" charset="0"/>
+              </a:rPr>
+              <a:t>long</a:t>
+            </a:r>
+            <a:r>
+              <a:rPr lang="en-US" b="1" dirty="0">
+                <a:latin typeface="Courier New" pitchFamily="49" charset="0"/>
+                <a:cs typeface="Courier New" pitchFamily="49" charset="0"/>
+              </a:rPr>
+              <a:t> a, b = </a:t>
+            </a:r>
+            <a:r>
+              <a:rPr lang="en-US" b="1" dirty="0">
+                <a:solidFill>
+                  <a:srgbClr val="C00000"/>
+                </a:solidFill>
+                <a:latin typeface="Courier New" pitchFamily="49" charset="0"/>
+                <a:cs typeface="Courier New" pitchFamily="49" charset="0"/>
+              </a:rPr>
+              <a:t>0</a:t>
+            </a:r>
+            <a:r>
+              <a:rPr lang="en-US" b="1" dirty="0">
+                <a:latin typeface="Courier New" pitchFamily="49" charset="0"/>
+                <a:cs typeface="Courier New" pitchFamily="49" charset="0"/>
+              </a:rPr>
+              <a:t>;</a:t>
+            </a:r>
+          </a:p>
+          <a:p>
+            <a:r>
+              <a:rPr lang="en-US" b="1" dirty="0">
+                <a:latin typeface="Courier New" pitchFamily="49" charset="0"/>
+                <a:cs typeface="Courier New" pitchFamily="49" charset="0"/>
+              </a:rPr>
+              <a:t>a = b + </a:t>
+            </a:r>
+            <a:r>
+              <a:rPr lang="en-US" b="1" dirty="0">
+                <a:solidFill>
+                  <a:srgbClr val="C00000"/>
+                </a:solidFill>
+                <a:latin typeface="Courier New" pitchFamily="49" charset="0"/>
+                <a:cs typeface="Courier New" pitchFamily="49" charset="0"/>
+              </a:rPr>
+              <a:t>3</a:t>
+            </a:r>
+            <a:r>
+              <a:rPr lang="en-US" b="1" dirty="0">
+                <a:latin typeface="Courier New" pitchFamily="49" charset="0"/>
+                <a:cs typeface="Courier New" pitchFamily="49" charset="0"/>
+              </a:rPr>
+              <a:t>;</a:t>
+            </a:r>
+            <a:endParaRPr lang="en-US" b="1" dirty="0">
+              <a:solidFill>
+                <a:srgbClr val="800000"/>
+              </a:solidFill>
+              <a:latin typeface="Courier New" pitchFamily="49" charset="0"/>
+              <a:cs typeface="Courier New" pitchFamily="49" charset="0"/>
+            </a:endParaRPr>
+          </a:p>
+        </p:txBody>
+      </p:sp>
+      <p:sp>
+        <p:nvSpPr>
+          <p:cNvPr id="20" name="TextBox 19">
+            <a:extLst>
+              <a:ext uri="{FF2B5EF4-FFF2-40B4-BE49-F238E27FC236}">
+                <a16:creationId xmlns:a16="http://schemas.microsoft.com/office/drawing/2014/main" id="{388F56C5-0C36-4F57-8BCA-CCFD0E5AC46D}"/>
+              </a:ext>
+            </a:extLst>
+          </p:cNvPr>
+          <p:cNvSpPr txBox="1"/>
+          <p:nvPr/>
+        </p:nvSpPr>
+        <p:spPr>
+          <a:xfrm>
+            <a:off x="2891412" y="2591412"/>
+            <a:ext cx="4053298" cy="646331"/>
+          </a:xfrm>
+          <a:prstGeom prst="rect">
+            <a:avLst/>
+          </a:prstGeom>
+          <a:noFill/>
+        </p:spPr>
+        <p:style>
+          <a:lnRef idx="2">
+            <a:schemeClr val="accent5"/>
+          </a:lnRef>
+          <a:fillRef idx="1">
+            <a:schemeClr val="lt1"/>
+          </a:fillRef>
+          <a:effectRef idx="0">
+            <a:schemeClr val="accent5"/>
+          </a:effectRef>
+          <a:fontRef idx="minor">
+            <a:schemeClr val="dk1"/>
+          </a:fontRef>
+        </p:style>
+        <p:txBody>
+          <a:bodyPr wrap="square" rtlCol="0">
+            <a:spAutoFit/>
+          </a:bodyPr>
+          <a:lstStyle/>
+          <a:p>
+            <a:r>
+              <a:rPr lang="en-US" b="1" dirty="0">
+                <a:solidFill>
+                  <a:srgbClr val="0000FF"/>
+                </a:solidFill>
+                <a:latin typeface="Courier New" pitchFamily="49" charset="0"/>
+                <a:cs typeface="Courier New" pitchFamily="49" charset="0"/>
+              </a:rPr>
+              <a:t>long</a:t>
+            </a:r>
+            <a:r>
+              <a:rPr lang="en-US" b="1" dirty="0">
+                <a:latin typeface="Courier New" pitchFamily="49" charset="0"/>
+                <a:cs typeface="Courier New" pitchFamily="49" charset="0"/>
+              </a:rPr>
+              <a:t> x = cs1010_read_long();</a:t>
+            </a:r>
+          </a:p>
+          <a:p>
+            <a:r>
+              <a:rPr lang="en-US" b="1" dirty="0">
+                <a:latin typeface="Courier New" pitchFamily="49" charset="0"/>
+                <a:cs typeface="Courier New" pitchFamily="49" charset="0"/>
+              </a:rPr>
+              <a:t>CS1010_print_long(x); </a:t>
+            </a:r>
+            <a:endParaRPr lang="en-US" b="1" dirty="0">
+              <a:solidFill>
+                <a:srgbClr val="800000"/>
+              </a:solidFill>
+              <a:latin typeface="Courier New" pitchFamily="49" charset="0"/>
+              <a:cs typeface="Courier New" pitchFamily="49" charset="0"/>
+            </a:endParaRPr>
+          </a:p>
+        </p:txBody>
+      </p:sp>
+    </p:spTree>
+    <p:extLst>
+      <p:ext uri="{BB962C8B-B14F-4D97-AF65-F5344CB8AC3E}">
+        <p14:creationId xmlns:p14="http://schemas.microsoft.com/office/powerpoint/2010/main" val="1492339910"/>
+      </p:ext>
+    </p:extLst>
+  </p:cSld>
+  <p:clrMapOvr>
+    <a:masterClrMapping/>
+  </p:clrMapOvr>
+  <p:transition>
+    <p:fade/>
+  </p:transition>
+  <p:timing>
+    <p:tnLst>
+      <p:par>
+        <p:cTn id="1" dur="indefinite" restart="never" nodeType="tmRoot">
+          <p:childTnLst>
+            <p:seq concurrent="1" nextAc="seek">
+              <p:cTn id="2" dur="indefinite" nodeType="mainSeq">
+                <p:childTnLst>
+                  <p:par>
+                    <p:cTn id="3" fill="hold">
+                      <p:stCondLst>
+                        <p:cond delay="indefinite"/>
+                      </p:stCondLst>
+                      <p:childTnLst>
+                        <p:par>
+                          <p:cTn id="4" fill="hold">
+                            <p:stCondLst>
+                              <p:cond delay="0"/>
+                            </p:stCondLst>
+                            <p:childTnLst>
+                              <p:par>
+                                <p:cTn id="5" presetID="1" presetClass="entr" presetSubtype="0" fill="hold" nodeType="clickEffect">
+                                  <p:stCondLst>
+                                    <p:cond delay="0"/>
+                                  </p:stCondLst>
+                                  <p:childTnLst>
+                                    <p:set>
+                                      <p:cBhvr>
+                                        <p:cTn id="6" dur="1" fill="hold">
+                                          <p:stCondLst>
+                                            <p:cond delay="0"/>
+                                          </p:stCondLst>
+                                        </p:cTn>
+                                        <p:tgtEl>
+                                          <p:spTgt spid="7">
+                                            <p:txEl>
+                                              <p:pRg st="7" end="7"/>
+                                            </p:txEl>
+                                          </p:spTgt>
+                                        </p:tgtEl>
+                                        <p:attrNameLst>
+                                          <p:attrName>style.visibility</p:attrName>
+                                        </p:attrNameLst>
+                                      </p:cBhvr>
+                                      <p:to>
+                                        <p:strVal val="visible"/>
+                                      </p:to>
+                                    </p:set>
+                                  </p:childTnLst>
+                                </p:cTn>
+                              </p:par>
+                              <p:par>
+                                <p:cTn id="7" presetID="1" presetClass="entr" presetSubtype="0" fill="hold" grpId="0" nodeType="withEffect">
+                                  <p:stCondLst>
+                                    <p:cond delay="0"/>
+                                  </p:stCondLst>
+                                  <p:childTnLst>
+                                    <p:set>
+                                      <p:cBhvr>
+                                        <p:cTn id="8" dur="1" fill="hold">
                                           <p:stCondLst>
                                             <p:cond delay="0"/>
                                           </p:stCondLst>
@@ -8890,14 +9727,14 @@
                                 </p:cTn>
                               </p:par>
                               <p:par>
-                                <p:cTn id="7" presetID="9" presetClass="entr" presetSubtype="0" fill="hold" grpId="0" nodeType="withEffect">
+                                <p:cTn id="9" presetID="9" presetClass="entr" presetSubtype="0" fill="hold" grpId="0" nodeType="withEffect">
                                   <p:stCondLst>
                                     <p:cond delay="0"/>
                                   </p:stCondLst>
                                   <p:childTnLst>
                                     <p:set>
                                       <p:cBhvr>
-                                        <p:cTn id="8" dur="1" fill="hold">
+                                        <p:cTn id="10" dur="1" fill="hold">
                                           <p:stCondLst>
                                             <p:cond delay="0"/>
                                           </p:stCondLst>
@@ -8915,7 +9752,7 @@
                                     </p:set>
                                     <p:animEffect transition="in" filter="dissolve">
                                       <p:cBhvr>
-                                        <p:cTn id="9" dur="500"/>
+                                        <p:cTn id="11" dur="500"/>
                                         <p:tgtEl>
                                           <p:spTgt spid="22"/>
                                         </p:tgtEl>
@@ -8925,14 +9762,14 @@
                                 </p:cTn>
                               </p:par>
                               <p:par>
-                                <p:cTn id="10" presetID="1" presetClass="entr" presetSubtype="0" fill="hold" grpId="0" nodeType="withEffect">
+                                <p:cTn id="12" presetID="1" presetClass="entr" presetSubtype="0" fill="hold" grpId="0" nodeType="withEffect">
                                   <p:stCondLst>
                                     <p:cond delay="0"/>
                                   </p:stCondLst>
                                   <p:childTnLst>
                                     <p:set>
                                       <p:cBhvr>
-                                        <p:cTn id="11" dur="1" fill="hold">
+                                        <p:cTn id="13" dur="1" fill="hold">
                                           <p:stCondLst>
                                             <p:cond delay="0"/>
                                           </p:stCondLst>
@@ -8952,14 +9789,14 @@
                                 </p:cTn>
                               </p:par>
                               <p:par>
-                                <p:cTn id="12" presetID="1" presetClass="entr" presetSubtype="0" fill="hold" grpId="0" nodeType="withEffect">
+                                <p:cTn id="14" presetID="1" presetClass="entr" presetSubtype="0" fill="hold" grpId="0" nodeType="withEffect">
                                   <p:stCondLst>
                                     <p:cond delay="0"/>
                                   </p:stCondLst>
                                   <p:childTnLst>
                                     <p:set>
                                       <p:cBhvr>
-                                        <p:cTn id="13" dur="1" fill="hold">
+                                        <p:cTn id="15" dur="1" fill="hold">
                                           <p:stCondLst>
                                             <p:cond delay="0"/>
                                           </p:stCondLst>
@@ -8979,14 +9816,14 @@
                                 </p:cTn>
                               </p:par>
                               <p:par>
-                                <p:cTn id="14" presetID="9" presetClass="entr" presetSubtype="0" fill="hold" grpId="0" nodeType="withEffect">
+                                <p:cTn id="16" presetID="9" presetClass="entr" presetSubtype="0" fill="hold" grpId="0" nodeType="withEffect">
                                   <p:stCondLst>
                                     <p:cond delay="0"/>
                                   </p:stCondLst>
                                   <p:childTnLst>
                                     <p:set>
                                       <p:cBhvr>
-                                        <p:cTn id="15" dur="1" fill="hold">
+                                        <p:cTn id="17" dur="1" fill="hold">
                                           <p:stCondLst>
                                             <p:cond delay="0"/>
                                           </p:stCondLst>
@@ -9004,7 +9841,7 @@
                                     </p:set>
                                     <p:animEffect transition="in" filter="dissolve">
                                       <p:cBhvr>
-                                        <p:cTn id="16" dur="500"/>
+                                        <p:cTn id="18" dur="500"/>
                                         <p:tgtEl>
                                           <p:spTgt spid="25"/>
                                         </p:tgtEl>
@@ -9572,100 +10409,6 @@
   <p:transition>
     <p:fade/>
   </p:transition>
-  <p:timing>
-    <p:tnLst>
-      <p:par>
-        <p:cTn id="1" dur="indefinite" restart="never" nodeType="tmRoot">
-          <p:childTnLst>
-            <p:seq concurrent="1" nextAc="seek">
-              <p:cTn id="2" dur="indefinite" nodeType="mainSeq">
-                <p:childTnLst>
-                  <p:par>
-                    <p:cTn id="3" fill="hold">
-                      <p:stCondLst>
-                        <p:cond delay="indefinite"/>
-                      </p:stCondLst>
-                      <p:childTnLst>
-                        <p:par>
-                          <p:cTn id="4" fill="hold">
-                            <p:stCondLst>
-                              <p:cond delay="0"/>
-                            </p:stCondLst>
-                            <p:childTnLst>
-                              <p:par>
-                                <p:cTn id="5" presetID="9" presetClass="entr" presetSubtype="0" fill="hold" grpId="0" nodeType="clickEffect">
-                                  <p:stCondLst>
-                                    <p:cond delay="0"/>
-                                  </p:stCondLst>
-                                  <p:childTnLst>
-                                    <p:set>
-                                      <p:cBhvr>
-                                        <p:cTn id="6" dur="1" fill="hold">
-                                          <p:stCondLst>
-                                            <p:cond delay="0"/>
-                                          </p:stCondLst>
-                                        </p:cTn>
-                                        <p:tgtEl>
-                                          <p:spTgt spid="8">
-                                            <p:txEl>
-                                              <p:pRg st="0" end="0"/>
-                                            </p:txEl>
-                                          </p:spTgt>
-                                        </p:tgtEl>
-                                        <p:attrNameLst>
-                                          <p:attrName>style.visibility</p:attrName>
-                                        </p:attrNameLst>
-                                      </p:cBhvr>
-                                      <p:to>
-                                        <p:strVal val="visible"/>
-                                      </p:to>
-                                    </p:set>
-                                    <p:animEffect transition="in" filter="dissolve">
-                                      <p:cBhvr>
-                                        <p:cTn id="7" dur="500"/>
-                                        <p:tgtEl>
-                                          <p:spTgt spid="8">
-                                            <p:txEl>
-                                              <p:pRg st="0" end="0"/>
-                                            </p:txEl>
-                                          </p:spTgt>
-                                        </p:tgtEl>
-                                      </p:cBhvr>
-                                    </p:animEffect>
-                                  </p:childTnLst>
-                                </p:cTn>
-                              </p:par>
-                            </p:childTnLst>
-                          </p:cTn>
-                        </p:par>
-                      </p:childTnLst>
-                    </p:cTn>
-                  </p:par>
-                </p:childTnLst>
-              </p:cTn>
-              <p:prevCondLst>
-                <p:cond evt="onPrev" delay="0">
-                  <p:tgtEl>
-                    <p:sldTgt/>
-                  </p:tgtEl>
-                </p:cond>
-              </p:prevCondLst>
-              <p:nextCondLst>
-                <p:cond evt="onNext" delay="0">
-                  <p:tgtEl>
-                    <p:sldTgt/>
-                  </p:tgtEl>
-                </p:cond>
-              </p:nextCondLst>
-            </p:seq>
-          </p:childTnLst>
-        </p:cTn>
-      </p:par>
-    </p:tnLst>
-    <p:bldLst>
-      <p:bldP spid="8" grpId="0" build="p" bldLvl="2"/>
-    </p:bldLst>
-  </p:timing>
 </p:sld>
 </file>
 
